--- a/4week/3week_Sequence_sensor.pptx
+++ b/4week/3week_Sequence_sensor.pptx
@@ -5,44 +5,43 @@
     <p:sldMasterId id="2147483671" r:id="rId1"/>
   </p:sldMasterIdLst>
   <p:notesMasterIdLst>
-    <p:notesMasterId r:id="rId14"/>
+    <p:notesMasterId r:id="rId13"/>
   </p:notesMasterIdLst>
   <p:handoutMasterIdLst>
-    <p:handoutMasterId r:id="rId15"/>
+    <p:handoutMasterId r:id="rId14"/>
   </p:handoutMasterIdLst>
   <p:sldIdLst>
     <p:sldId id="351" r:id="rId2"/>
     <p:sldId id="364" r:id="rId3"/>
-    <p:sldId id="391" r:id="rId4"/>
-    <p:sldId id="368" r:id="rId5"/>
-    <p:sldId id="399" r:id="rId6"/>
-    <p:sldId id="400" r:id="rId7"/>
-    <p:sldId id="401" r:id="rId8"/>
-    <p:sldId id="402" r:id="rId9"/>
-    <p:sldId id="403" r:id="rId10"/>
-    <p:sldId id="377" r:id="rId11"/>
-    <p:sldId id="404" r:id="rId12"/>
-    <p:sldId id="405" r:id="rId13"/>
+    <p:sldId id="368" r:id="rId4"/>
+    <p:sldId id="399" r:id="rId5"/>
+    <p:sldId id="400" r:id="rId6"/>
+    <p:sldId id="401" r:id="rId7"/>
+    <p:sldId id="402" r:id="rId8"/>
+    <p:sldId id="403" r:id="rId9"/>
+    <p:sldId id="377" r:id="rId10"/>
+    <p:sldId id="404" r:id="rId11"/>
+    <p:sldId id="405" r:id="rId12"/>
   </p:sldIdLst>
   <p:sldSz cx="9144000" cy="6858000" type="screen4x3"/>
   <p:notesSz cx="6858000" cy="9144000"/>
   <p:embeddedFontLst>
     <p:embeddedFont>
+      <p:font typeface="Calibri" panose="020F0502020204030204" pitchFamily="34" charset="0"/>
+      <p:regular r:id="rId15"/>
+      <p:bold r:id="rId16"/>
+      <p:italic r:id="rId17"/>
+      <p:boldItalic r:id="rId18"/>
+    </p:embeddedFont>
+    <p:embeddedFont>
       <p:font typeface="맑은 고딕" panose="020B0503020000020004" pitchFamily="50" charset="-127"/>
-      <p:regular r:id="rId16"/>
-      <p:bold r:id="rId17"/>
+      <p:regular r:id="rId19"/>
+      <p:bold r:id="rId20"/>
     </p:embeddedFont>
     <p:embeddedFont>
       <p:font typeface="나눔고딕" panose="020B0600000101010101" charset="-127"/>
-      <p:regular r:id="rId18"/>
-      <p:bold r:id="rId19"/>
-    </p:embeddedFont>
-    <p:embeddedFont>
-      <p:font typeface="Calibri" panose="020F0502020204030204" pitchFamily="34" charset="0"/>
-      <p:regular r:id="rId20"/>
-      <p:bold r:id="rId21"/>
-      <p:italic r:id="rId22"/>
-      <p:boldItalic r:id="rId23"/>
+      <p:regular r:id="rId21"/>
+      <p:bold r:id="rId22"/>
     </p:embeddedFont>
   </p:embeddedFontLst>
   <p:defaultTextStyle>
@@ -904,7 +903,7 @@
     </p:spTree>
     <p:extLst>
       <p:ext uri="{BB962C8B-B14F-4D97-AF65-F5344CB8AC3E}">
-        <p14:creationId xmlns:p14="http://schemas.microsoft.com/office/powerpoint/2010/main" val="3310644789"/>
+        <p14:creationId xmlns:p14="http://schemas.microsoft.com/office/powerpoint/2010/main" val="1115544329"/>
       </p:ext>
     </p:extLst>
   </p:cSld>
@@ -983,93 +982,6 @@
               <a:rPr lang="en-US" altLang="ko-KR" smtClean="0"/>
               <a:pPr/>
               <a:t>11</a:t>
-            </a:fld>
-            <a:endParaRPr lang="ko-KR" dirty="0"/>
-          </a:p>
-        </p:txBody>
-      </p:sp>
-    </p:spTree>
-    <p:extLst>
-      <p:ext uri="{BB962C8B-B14F-4D97-AF65-F5344CB8AC3E}">
-        <p14:creationId xmlns:p14="http://schemas.microsoft.com/office/powerpoint/2010/main" val="1115544329"/>
-      </p:ext>
-    </p:extLst>
-  </p:cSld>
-  <p:clrMapOvr>
-    <a:masterClrMapping/>
-  </p:clrMapOvr>
-</p:notes>
-</file>
-
-<file path=ppt/notesSlides/notesSlide12.xml><?xml version="1.0" encoding="utf-8"?>
-<p:notes xmlns:a="http://schemas.openxmlformats.org/drawingml/2006/main" xmlns:r="http://schemas.openxmlformats.org/officeDocument/2006/relationships" xmlns:p="http://schemas.openxmlformats.org/presentationml/2006/main">
-  <p:cSld>
-    <p:spTree>
-      <p:nvGrpSpPr>
-        <p:cNvPr id="1" name=""/>
-        <p:cNvGrpSpPr/>
-        <p:nvPr/>
-      </p:nvGrpSpPr>
-      <p:grpSpPr>
-        <a:xfrm>
-          <a:off x="0" y="0"/>
-          <a:ext cx="0" cy="0"/>
-          <a:chOff x="0" y="0"/>
-          <a:chExt cx="0" cy="0"/>
-        </a:xfrm>
-      </p:grpSpPr>
-      <p:sp>
-        <p:nvSpPr>
-          <p:cNvPr id="2" name="Slide Image Placeholder 1"/>
-          <p:cNvSpPr>
-            <a:spLocks noGrp="1" noRot="1" noChangeAspect="1"/>
-          </p:cNvSpPr>
-          <p:nvPr>
-            <p:ph type="sldImg"/>
-          </p:nvPr>
-        </p:nvSpPr>
-        <p:spPr/>
-      </p:sp>
-      <p:sp>
-        <p:nvSpPr>
-          <p:cNvPr id="3" name="Notes Placeholder 2"/>
-          <p:cNvSpPr>
-            <a:spLocks noGrp="1"/>
-          </p:cNvSpPr>
-          <p:nvPr>
-            <p:ph type="body" idx="1"/>
-          </p:nvPr>
-        </p:nvSpPr>
-        <p:spPr/>
-        <p:txBody>
-          <a:bodyPr>
-            <a:normAutofit/>
-          </a:bodyPr>
-          <a:lstStyle/>
-          <a:p>
-            <a:endParaRPr lang="ko-KR" dirty="0"/>
-          </a:p>
-        </p:txBody>
-      </p:sp>
-      <p:sp>
-        <p:nvSpPr>
-          <p:cNvPr id="4" name="Slide Number Placeholder 3"/>
-          <p:cNvSpPr>
-            <a:spLocks noGrp="1"/>
-          </p:cNvSpPr>
-          <p:nvPr>
-            <p:ph type="sldNum" sz="quarter" idx="10"/>
-          </p:nvPr>
-        </p:nvSpPr>
-        <p:spPr/>
-        <p:txBody>
-          <a:bodyPr/>
-          <a:lstStyle/>
-          <a:p>
-            <a:fld id="{9B26CD33-4337-4529-948A-94F6960B2374}" type="slidenum">
-              <a:rPr lang="en-US" altLang="ko-KR" smtClean="0"/>
-              <a:pPr/>
-              <a:t>12</a:t>
             </a:fld>
             <a:endParaRPr lang="ko-KR" dirty="0"/>
           </a:p>
@@ -1264,73 +1176,6 @@
           </a:bodyPr>
           <a:lstStyle/>
           <a:p>
-            <a:r>
-              <a:rPr lang="en-US" altLang="ko-KR" dirty="0" smtClean="0"/>
-              <a:t>we had different authentication method on forgotten password and registration but now they</a:t>
-            </a:r>
-            <a:r>
-              <a:rPr lang="en-US" altLang="ko-KR" baseline="0" dirty="0" smtClean="0"/>
-              <a:t> are same way to use authentication code</a:t>
-            </a:r>
-            <a:endParaRPr lang="en-US" altLang="ko-KR" dirty="0" smtClean="0"/>
-          </a:p>
-          <a:p>
-            <a:r>
-              <a:rPr lang="ko-KR" altLang="en-US" dirty="0" smtClean="0"/>
-              <a:t>비밀번호 변경 방법이 </a:t>
-            </a:r>
-            <a:r>
-              <a:rPr lang="ko-KR" altLang="en-US" baseline="0" dirty="0" smtClean="0"/>
-              <a:t>이메일 인증에서 인증 코드로 바뀜</a:t>
-            </a:r>
-            <a:endParaRPr lang="en-US" altLang="ko-KR" dirty="0" smtClean="0"/>
-          </a:p>
-          <a:p>
-            <a:r>
-              <a:rPr lang="ko-KR" altLang="en-US" dirty="0" smtClean="0"/>
-              <a:t>영어 표현 변경</a:t>
-            </a:r>
-            <a:endParaRPr lang="en-US" altLang="ko-KR" dirty="0" smtClean="0"/>
-          </a:p>
-          <a:p>
-            <a:r>
-              <a:rPr lang="ko-KR" altLang="en-US" dirty="0" smtClean="0"/>
-              <a:t>중복 설명 제거</a:t>
-            </a:r>
-            <a:endParaRPr lang="en-US" altLang="ko-KR" dirty="0" smtClean="0"/>
-          </a:p>
-          <a:p>
-            <a:endParaRPr lang="en-US" altLang="ko-KR" dirty="0" smtClean="0"/>
-          </a:p>
-          <a:p>
-            <a:r>
-              <a:rPr lang="ko-KR" altLang="en-US" dirty="0" smtClean="0"/>
-              <a:t>어떻게 변했는지 확인해 보자 </a:t>
-            </a:r>
-            <a:r>
-              <a:rPr lang="en-US" altLang="ko-KR" dirty="0" smtClean="0"/>
-              <a:t>(</a:t>
-            </a:r>
-            <a:r>
-              <a:rPr lang="ko-KR" altLang="en-US" dirty="0" smtClean="0"/>
-              <a:t>인증 코드 </a:t>
-            </a:r>
-            <a:r>
-              <a:rPr lang="ko-KR" altLang="en-US" dirty="0" err="1" smtClean="0"/>
-              <a:t>사용하는것으로</a:t>
-            </a:r>
-            <a:r>
-              <a:rPr lang="ko-KR" altLang="en-US" dirty="0" smtClean="0"/>
-              <a:t> </a:t>
-            </a:r>
-            <a:r>
-              <a:rPr lang="ko-KR" altLang="en-US" dirty="0" err="1" smtClean="0"/>
-              <a:t>바꼈다</a:t>
-            </a:r>
-            <a:r>
-              <a:rPr lang="en-US" altLang="ko-KR" dirty="0" smtClean="0"/>
-              <a:t>)</a:t>
-            </a:r>
             <a:endParaRPr lang="ko-KR" dirty="0"/>
           </a:p>
         </p:txBody>
@@ -1362,7 +1207,7 @@
     </p:spTree>
     <p:extLst>
       <p:ext uri="{BB962C8B-B14F-4D97-AF65-F5344CB8AC3E}">
-        <p14:creationId xmlns:p14="http://schemas.microsoft.com/office/powerpoint/2010/main" val="3558692085"/>
+        <p14:creationId xmlns:p14="http://schemas.microsoft.com/office/powerpoint/2010/main" val="2449597449"/>
       </p:ext>
     </p:extLst>
   </p:cSld>
@@ -1449,7 +1294,7 @@
     </p:spTree>
     <p:extLst>
       <p:ext uri="{BB962C8B-B14F-4D97-AF65-F5344CB8AC3E}">
-        <p14:creationId xmlns:p14="http://schemas.microsoft.com/office/powerpoint/2010/main" val="2449597449"/>
+        <p14:creationId xmlns:p14="http://schemas.microsoft.com/office/powerpoint/2010/main" val="3548964016"/>
       </p:ext>
     </p:extLst>
   </p:cSld>
@@ -1536,7 +1381,7 @@
     </p:spTree>
     <p:extLst>
       <p:ext uri="{BB962C8B-B14F-4D97-AF65-F5344CB8AC3E}">
-        <p14:creationId xmlns:p14="http://schemas.microsoft.com/office/powerpoint/2010/main" val="3548964016"/>
+        <p14:creationId xmlns:p14="http://schemas.microsoft.com/office/powerpoint/2010/main" val="3035673253"/>
       </p:ext>
     </p:extLst>
   </p:cSld>
@@ -1623,7 +1468,7 @@
     </p:spTree>
     <p:extLst>
       <p:ext uri="{BB962C8B-B14F-4D97-AF65-F5344CB8AC3E}">
-        <p14:creationId xmlns:p14="http://schemas.microsoft.com/office/powerpoint/2010/main" val="3035673253"/>
+        <p14:creationId xmlns:p14="http://schemas.microsoft.com/office/powerpoint/2010/main" val="3377872852"/>
       </p:ext>
     </p:extLst>
   </p:cSld>
@@ -1710,7 +1555,7 @@
     </p:spTree>
     <p:extLst>
       <p:ext uri="{BB962C8B-B14F-4D97-AF65-F5344CB8AC3E}">
-        <p14:creationId xmlns:p14="http://schemas.microsoft.com/office/powerpoint/2010/main" val="3377872852"/>
+        <p14:creationId xmlns:p14="http://schemas.microsoft.com/office/powerpoint/2010/main" val="2390285542"/>
       </p:ext>
     </p:extLst>
   </p:cSld>
@@ -1797,7 +1642,7 @@
     </p:spTree>
     <p:extLst>
       <p:ext uri="{BB962C8B-B14F-4D97-AF65-F5344CB8AC3E}">
-        <p14:creationId xmlns:p14="http://schemas.microsoft.com/office/powerpoint/2010/main" val="2390285542"/>
+        <p14:creationId xmlns:p14="http://schemas.microsoft.com/office/powerpoint/2010/main" val="1257163215"/>
       </p:ext>
     </p:extLst>
   </p:cSld>
@@ -1884,7 +1729,7 @@
     </p:spTree>
     <p:extLst>
       <p:ext uri="{BB962C8B-B14F-4D97-AF65-F5344CB8AC3E}">
-        <p14:creationId xmlns:p14="http://schemas.microsoft.com/office/powerpoint/2010/main" val="1257163215"/>
+        <p14:creationId xmlns:p14="http://schemas.microsoft.com/office/powerpoint/2010/main" val="3310644789"/>
       </p:ext>
     </p:extLst>
   </p:cSld>
@@ -7150,152 +6995,85 @@
           <a:chExt cx="0" cy="0"/>
         </a:xfrm>
       </p:grpSpPr>
-      <p:sp>
-        <p:nvSpPr>
-          <p:cNvPr id="20" name="TextBox 19"/>
+      <p:cxnSp>
+        <p:nvCxnSpPr>
+          <p:cNvPr id="15" name="직선 연결선 14"/>
+          <p:cNvCxnSpPr/>
+          <p:nvPr/>
+        </p:nvCxnSpPr>
+        <p:spPr>
+          <a:xfrm>
+            <a:off x="251520" y="332656"/>
+            <a:ext cx="8640960" cy="0"/>
+          </a:xfrm>
+          <a:prstGeom prst="line">
+            <a:avLst/>
+          </a:prstGeom>
+          <a:ln w="3175">
+            <a:solidFill>
+              <a:srgbClr val="68727E"/>
+            </a:solidFill>
+          </a:ln>
+        </p:spPr>
+        <p:style>
+          <a:lnRef idx="1">
+            <a:schemeClr val="accent1"/>
+          </a:lnRef>
+          <a:fillRef idx="0">
+            <a:schemeClr val="accent1"/>
+          </a:fillRef>
+          <a:effectRef idx="0">
+            <a:schemeClr val="accent1"/>
+          </a:effectRef>
+          <a:fontRef idx="minor">
+            <a:schemeClr val="tx1"/>
+          </a:fontRef>
+        </p:style>
+      </p:cxnSp>
+      <p:cxnSp>
+        <p:nvCxnSpPr>
+          <p:cNvPr id="19" name="직선 연결선 18"/>
+          <p:cNvCxnSpPr/>
+          <p:nvPr/>
+        </p:nvCxnSpPr>
+        <p:spPr>
+          <a:xfrm>
+            <a:off x="221703" y="1038567"/>
+            <a:ext cx="8640960" cy="0"/>
+          </a:xfrm>
+          <a:prstGeom prst="line">
+            <a:avLst/>
+          </a:prstGeom>
+          <a:ln w="3175">
+            <a:solidFill>
+              <a:srgbClr val="68727E"/>
+            </a:solidFill>
+          </a:ln>
+        </p:spPr>
+        <p:style>
+          <a:lnRef idx="1">
+            <a:schemeClr val="accent1"/>
+          </a:lnRef>
+          <a:fillRef idx="0">
+            <a:schemeClr val="accent1"/>
+          </a:fillRef>
+          <a:effectRef idx="0">
+            <a:schemeClr val="accent1"/>
+          </a:effectRef>
+          <a:fontRef idx="minor">
+            <a:schemeClr val="tx1"/>
+          </a:fontRef>
+        </p:style>
+      </p:cxnSp>
+      <p:sp>
+        <p:nvSpPr>
+          <p:cNvPr id="16" name="TextBox 15"/>
           <p:cNvSpPr txBox="1"/>
           <p:nvPr/>
         </p:nvSpPr>
         <p:spPr>
           <a:xfrm>
-            <a:off x="251520" y="3566875"/>
-            <a:ext cx="5304078" cy="720197"/>
-          </a:xfrm>
-          <a:prstGeom prst="rect">
-            <a:avLst/>
-          </a:prstGeom>
-          <a:noFill/>
-        </p:spPr>
-        <p:txBody>
-          <a:bodyPr wrap="square" rtlCol="0">
-            <a:spAutoFit/>
-          </a:bodyPr>
-          <a:lstStyle/>
-          <a:p>
-            <a:pPr>
-              <a:lnSpc>
-                <a:spcPct val="85000"/>
-              </a:lnSpc>
-            </a:pPr>
-            <a:r>
-              <a:rPr lang="en-US" altLang="ko-KR" sz="4800" spc="600" dirty="0" smtClean="0">
-                <a:solidFill>
-                  <a:srgbClr val="FF0000"/>
-                </a:solidFill>
-                <a:effectLst>
-                  <a:outerShdw blurRad="38100" dist="38100" dir="2700000" algn="tl">
-                    <a:srgbClr val="000000">
-                      <a:alpha val="43137"/>
-                    </a:srgbClr>
-                  </a:outerShdw>
-                </a:effectLst>
-                <a:latin typeface="나눔고딕" pitchFamily="50" charset="-127"/>
-                <a:ea typeface="나눔고딕" pitchFamily="50" charset="-127"/>
-              </a:rPr>
-              <a:t>S</a:t>
-            </a:r>
-            <a:r>
-              <a:rPr lang="en-US" altLang="ko-KR" sz="4800" spc="600" dirty="0" smtClean="0">
-                <a:solidFill>
-                  <a:srgbClr val="7E858E"/>
-                </a:solidFill>
-                <a:effectLst>
-                  <a:outerShdw blurRad="38100" dist="38100" dir="2700000" algn="tl">
-                    <a:srgbClr val="000000">
-                      <a:alpha val="43137"/>
-                    </a:srgbClr>
-                  </a:outerShdw>
-                </a:effectLst>
-                <a:latin typeface="나눔고딕" pitchFamily="50" charset="-127"/>
-                <a:ea typeface="나눔고딕" pitchFamily="50" charset="-127"/>
-              </a:rPr>
-              <a:t>ensor</a:t>
-            </a:r>
-            <a:r>
-              <a:rPr lang="en-US" altLang="ko-KR" sz="4800" spc="600" dirty="0" smtClean="0">
-                <a:gradFill>
-                  <a:gsLst>
-                    <a:gs pos="0">
-                      <a:srgbClr val="7E858E"/>
-                    </a:gs>
-                    <a:gs pos="50000">
-                      <a:srgbClr val="7E858E"/>
-                    </a:gs>
-                  </a:gsLst>
-                  <a:lin ang="5400000" scaled="0"/>
-                </a:gradFill>
-                <a:effectLst>
-                  <a:outerShdw blurRad="38100" dist="38100" dir="2700000" algn="tl">
-                    <a:srgbClr val="000000">
-                      <a:alpha val="43137"/>
-                    </a:srgbClr>
-                  </a:outerShdw>
-                </a:effectLst>
-                <a:latin typeface="나눔고딕" pitchFamily="50" charset="-127"/>
-                <a:ea typeface="나눔고딕" pitchFamily="50" charset="-127"/>
-              </a:rPr>
-              <a:t> </a:t>
-            </a:r>
-            <a:r>
-              <a:rPr lang="en-US" altLang="ko-KR" sz="4800" spc="600" dirty="0" smtClean="0">
-                <a:solidFill>
-                  <a:srgbClr val="FF0000"/>
-                </a:solidFill>
-                <a:effectLst>
-                  <a:outerShdw blurRad="38100" dist="38100" dir="2700000" algn="tl">
-                    <a:srgbClr val="000000">
-                      <a:alpha val="43137"/>
-                    </a:srgbClr>
-                  </a:outerShdw>
-                </a:effectLst>
-                <a:latin typeface="나눔고딕" pitchFamily="50" charset="-127"/>
-                <a:ea typeface="나눔고딕" pitchFamily="50" charset="-127"/>
-              </a:rPr>
-              <a:t>C</a:t>
-            </a:r>
-            <a:r>
-              <a:rPr lang="en-US" altLang="ko-KR" sz="4800" spc="600" dirty="0" smtClean="0">
-                <a:solidFill>
-                  <a:srgbClr val="7E858E"/>
-                </a:solidFill>
-                <a:effectLst>
-                  <a:outerShdw blurRad="38100" dist="38100" dir="2700000" algn="tl">
-                    <a:srgbClr val="000000">
-                      <a:alpha val="43137"/>
-                    </a:srgbClr>
-                  </a:outerShdw>
-                </a:effectLst>
-                <a:latin typeface="나눔고딕" pitchFamily="50" charset="-127"/>
-                <a:ea typeface="나눔고딕" pitchFamily="50" charset="-127"/>
-              </a:rPr>
-              <a:t>ode</a:t>
-            </a:r>
-            <a:endParaRPr lang="en-US" altLang="ko-KR" sz="4800" spc="600" dirty="0">
-              <a:solidFill>
-                <a:srgbClr val="FF0000"/>
-              </a:solidFill>
-              <a:effectLst>
-                <a:outerShdw blurRad="38100" dist="38100" dir="2700000" algn="tl">
-                  <a:srgbClr val="000000">
-                    <a:alpha val="43137"/>
-                  </a:srgbClr>
-                </a:outerShdw>
-              </a:effectLst>
-              <a:latin typeface="나눔고딕" pitchFamily="50" charset="-127"/>
-              <a:ea typeface="나눔고딕" pitchFamily="50" charset="-127"/>
-            </a:endParaRPr>
-          </a:p>
-        </p:txBody>
-      </p:sp>
-      <p:sp>
-        <p:nvSpPr>
-          <p:cNvPr id="21" name="TextBox 20"/>
-          <p:cNvSpPr txBox="1"/>
-          <p:nvPr/>
-        </p:nvSpPr>
-        <p:spPr>
-          <a:xfrm>
-            <a:off x="7092280" y="3501008"/>
+            <a:off x="7020475" y="755296"/>
             <a:ext cx="1872208" cy="240066"/>
           </a:xfrm>
           <a:prstGeom prst="rect">
@@ -7367,121 +7145,16 @@
           </a:p>
         </p:txBody>
       </p:sp>
-      <p:cxnSp>
-        <p:nvCxnSpPr>
-          <p:cNvPr id="10" name="직선 연결선 9"/>
-          <p:cNvCxnSpPr/>
-          <p:nvPr/>
-        </p:nvCxnSpPr>
-        <p:spPr>
-          <a:xfrm>
-            <a:off x="251520" y="3429000"/>
-            <a:ext cx="8640960" cy="0"/>
-          </a:xfrm>
-          <a:prstGeom prst="line">
-            <a:avLst/>
-          </a:prstGeom>
-          <a:ln w="3175">
-            <a:solidFill>
-              <a:srgbClr val="68727E"/>
-            </a:solidFill>
-          </a:ln>
-        </p:spPr>
-        <p:style>
-          <a:lnRef idx="1">
-            <a:schemeClr val="accent1"/>
-          </a:lnRef>
-          <a:fillRef idx="0">
-            <a:schemeClr val="accent1"/>
-          </a:fillRef>
-          <a:effectRef idx="0">
-            <a:schemeClr val="accent1"/>
-          </a:effectRef>
-          <a:fontRef idx="minor">
-            <a:schemeClr val="tx1"/>
-          </a:fontRef>
-        </p:style>
-      </p:cxnSp>
-      <p:cxnSp>
-        <p:nvCxnSpPr>
-          <p:cNvPr id="12" name="직선 연결선 11"/>
-          <p:cNvCxnSpPr/>
-          <p:nvPr/>
-        </p:nvCxnSpPr>
-        <p:spPr>
-          <a:xfrm>
-            <a:off x="251520" y="332656"/>
-            <a:ext cx="8640960" cy="0"/>
-          </a:xfrm>
-          <a:prstGeom prst="line">
-            <a:avLst/>
-          </a:prstGeom>
-          <a:ln w="3175">
-            <a:solidFill>
-              <a:srgbClr val="68727E"/>
-            </a:solidFill>
-          </a:ln>
-        </p:spPr>
-        <p:style>
-          <a:lnRef idx="1">
-            <a:schemeClr val="accent1"/>
-          </a:lnRef>
-          <a:fillRef idx="0">
-            <a:schemeClr val="accent1"/>
-          </a:fillRef>
-          <a:effectRef idx="0">
-            <a:schemeClr val="accent1"/>
-          </a:effectRef>
-          <a:fontRef idx="minor">
-            <a:schemeClr val="tx1"/>
-          </a:fontRef>
-        </p:style>
-      </p:cxnSp>
-      <p:cxnSp>
-        <p:nvCxnSpPr>
-          <p:cNvPr id="13" name="직선 연결선 12"/>
-          <p:cNvCxnSpPr/>
-          <p:nvPr/>
-        </p:nvCxnSpPr>
-        <p:spPr>
-          <a:xfrm>
-            <a:off x="251520" y="6534000"/>
-            <a:ext cx="8640960" cy="0"/>
-          </a:xfrm>
-          <a:prstGeom prst="line">
-            <a:avLst/>
-          </a:prstGeom>
-          <a:ln w="3175">
-            <a:solidFill>
-              <a:srgbClr val="68727E"/>
-            </a:solidFill>
-          </a:ln>
-        </p:spPr>
-        <p:style>
-          <a:lnRef idx="1">
-            <a:schemeClr val="accent1"/>
-          </a:lnRef>
-          <a:fillRef idx="0">
-            <a:schemeClr val="accent1"/>
-          </a:fillRef>
-          <a:effectRef idx="0">
-            <a:schemeClr val="accent1"/>
-          </a:effectRef>
-          <a:fontRef idx="minor">
-            <a:schemeClr val="tx1"/>
-          </a:fontRef>
-        </p:style>
-      </p:cxnSp>
-      <p:sp>
-        <p:nvSpPr>
-          <p:cNvPr id="9" name="TextBox 8"/>
+      <p:sp>
+        <p:nvSpPr>
+          <p:cNvPr id="21" name="TextBox 20"/>
           <p:cNvSpPr txBox="1"/>
           <p:nvPr/>
         </p:nvSpPr>
         <p:spPr>
           <a:xfrm>
-            <a:off x="172156" y="6133150"/>
-            <a:ext cx="4039705" cy="418576"/>
+            <a:off x="179512" y="461805"/>
+            <a:ext cx="7488832" cy="369332"/>
           </a:xfrm>
           <a:prstGeom prst="rect">
             <a:avLst/>
@@ -7496,89 +7169,48 @@
           <a:p>
             <a:pPr>
               <a:lnSpc>
-                <a:spcPct val="150000"/>
+                <a:spcPct val="90000"/>
               </a:lnSpc>
             </a:pPr>
             <a:r>
-              <a:rPr lang="en-US" altLang="ko-KR" sz="1600" dirty="0">
-                <a:solidFill>
-                  <a:srgbClr val="FFC000"/>
-                </a:solidFill>
-                <a:effectLst>
-                  <a:outerShdw blurRad="38100" dist="38100" dir="2700000" algn="tl">
-                    <a:srgbClr val="000000">
-                      <a:alpha val="43137"/>
-                    </a:srgbClr>
-                  </a:outerShdw>
-                </a:effectLst>
+              <a:rPr lang="en-US" altLang="ko-KR" sz="2000" spc="300" dirty="0" smtClean="0">
+                <a:gradFill>
+                  <a:gsLst>
+                    <a:gs pos="0">
+                      <a:srgbClr val="C00000"/>
+                    </a:gs>
+                    <a:gs pos="100000">
+                      <a:srgbClr val="C00000"/>
+                    </a:gs>
+                  </a:gsLst>
+                  <a:lin ang="5400000" scaled="0"/>
+                </a:gradFill>
                 <a:latin typeface="나눔고딕" pitchFamily="50" charset="-127"/>
                 <a:ea typeface="나눔고딕" pitchFamily="50" charset="-127"/>
               </a:rPr>
-              <a:t>Q</a:t>
-            </a:r>
-            <a:r>
-              <a:rPr lang="en-US" altLang="ko-KR" sz="1600" dirty="0">
-                <a:solidFill>
-                  <a:schemeClr val="tx1">
-                    <a:lumMod val="85000"/>
-                    <a:lumOff val="15000"/>
-                  </a:schemeClr>
-                </a:solidFill>
-                <a:effectLst>
-                  <a:outerShdw blurRad="38100" dist="38100" dir="2700000" algn="tl">
-                    <a:srgbClr val="000000">
-                      <a:alpha val="43137"/>
-                    </a:srgbClr>
-                  </a:outerShdw>
-                </a:effectLst>
-                <a:latin typeface="나눔고딕" pitchFamily="50" charset="-127"/>
-                <a:ea typeface="나눔고딕" pitchFamily="50" charset="-127"/>
-              </a:rPr>
-              <a:t>ualcomm </a:t>
-            </a:r>
-            <a:r>
-              <a:rPr lang="en-US" altLang="ko-KR" sz="1600" dirty="0">
-                <a:solidFill>
-                  <a:srgbClr val="FFC000"/>
-                </a:solidFill>
-                <a:effectLst>
-                  <a:outerShdw blurRad="38100" dist="38100" dir="2700000" algn="tl">
-                    <a:srgbClr val="000000">
-                      <a:alpha val="43137"/>
-                    </a:srgbClr>
-                  </a:outerShdw>
-                </a:effectLst>
-                <a:latin typeface="나눔고딕" pitchFamily="50" charset="-127"/>
-                <a:ea typeface="나눔고딕" pitchFamily="50" charset="-127"/>
-              </a:rPr>
-              <a:t>I</a:t>
-            </a:r>
-            <a:r>
-              <a:rPr lang="en-US" altLang="ko-KR" sz="1600" dirty="0">
-                <a:solidFill>
-                  <a:schemeClr val="tx1">
-                    <a:lumMod val="85000"/>
-                    <a:lumOff val="15000"/>
-                  </a:schemeClr>
-                </a:solidFill>
-                <a:effectLst>
-                  <a:outerShdw blurRad="38100" dist="38100" dir="2700000" algn="tl">
-                    <a:srgbClr val="000000">
-                      <a:alpha val="43137"/>
-                    </a:srgbClr>
-                  </a:outerShdw>
-                </a:effectLst>
-                <a:latin typeface="나눔고딕" pitchFamily="50" charset="-127"/>
-                <a:ea typeface="나눔고딕" pitchFamily="50" charset="-127"/>
-              </a:rPr>
-              <a:t>nstitute</a:t>
-            </a:r>
-          </a:p>
-        </p:txBody>
-      </p:sp>
-      <p:sp>
-        <p:nvSpPr>
-          <p:cNvPr id="2" name="슬라이드 번호 개체 틀 1"/>
+              <a:t>Modified Code in python</a:t>
+            </a:r>
+            <a:endParaRPr lang="ko-KR" altLang="en-US" sz="2000" spc="300" dirty="0">
+              <a:gradFill>
+                <a:gsLst>
+                  <a:gs pos="0">
+                    <a:srgbClr val="C00000"/>
+                  </a:gs>
+                  <a:gs pos="100000">
+                    <a:srgbClr val="C00000"/>
+                  </a:gs>
+                </a:gsLst>
+                <a:lin ang="5400000" scaled="0"/>
+              </a:gradFill>
+              <a:latin typeface="나눔고딕" pitchFamily="50" charset="-127"/>
+              <a:ea typeface="나눔고딕" pitchFamily="50" charset="-127"/>
+            </a:endParaRPr>
+          </a:p>
+        </p:txBody>
+      </p:sp>
+      <p:sp>
+        <p:nvSpPr>
+          <p:cNvPr id="5" name="슬라이드 번호 개체 틀 4"/>
           <p:cNvSpPr>
             <a:spLocks noGrp="1"/>
           </p:cNvSpPr>
@@ -7586,12 +7218,7 @@
             <p:ph type="sldNum" sz="quarter" idx="12"/>
           </p:nvPr>
         </p:nvSpPr>
-        <p:spPr>
-          <a:xfrm>
-            <a:off x="6588224" y="6482418"/>
-            <a:ext cx="2133600" cy="365125"/>
-          </a:xfrm>
-        </p:spPr>
+        <p:spPr/>
         <p:txBody>
           <a:bodyPr/>
           <a:lstStyle/>
@@ -7601,20 +7228,20 @@
               <a:pPr/>
               <a:t>10</a:t>
             </a:fld>
-            <a:endParaRPr kumimoji="0" lang="ko-KR" altLang="en-US" dirty="0"/>
-          </a:p>
-        </p:txBody>
-      </p:sp>
-      <p:sp>
-        <p:nvSpPr>
-          <p:cNvPr id="11" name="TextBox 10"/>
+            <a:endParaRPr kumimoji="0" lang="ko-KR" altLang="en-US"/>
+          </a:p>
+        </p:txBody>
+      </p:sp>
+      <p:sp>
+        <p:nvSpPr>
+          <p:cNvPr id="9" name="TextBox 8"/>
           <p:cNvSpPr txBox="1"/>
           <p:nvPr/>
         </p:nvSpPr>
         <p:spPr>
           <a:xfrm>
-            <a:off x="8661616" y="6494448"/>
-            <a:ext cx="579753" cy="307777"/>
+            <a:off x="8585385" y="6377836"/>
+            <a:ext cx="637728" cy="307777"/>
           </a:xfrm>
           <a:prstGeom prst="rect">
             <a:avLst/>
@@ -7647,10 +7274,100 @@
           </a:p>
         </p:txBody>
       </p:sp>
+      <p:pic>
+        <p:nvPicPr>
+          <p:cNvPr id="3" name="그림 2"/>
+          <p:cNvPicPr>
+            <a:picLocks noChangeAspect="1"/>
+          </p:cNvPicPr>
+          <p:nvPr/>
+        </p:nvPicPr>
+        <p:blipFill>
+          <a:blip r:embed="rId3">
+            <a:extLst>
+              <a:ext uri="{28A0092B-C50C-407E-A947-70E740481C1C}">
+                <a14:useLocalDpi xmlns:a14="http://schemas.microsoft.com/office/drawing/2010/main" val="0"/>
+              </a:ext>
+            </a:extLst>
+          </a:blip>
+          <a:stretch>
+            <a:fillRect/>
+          </a:stretch>
+        </p:blipFill>
+        <p:spPr>
+          <a:xfrm>
+            <a:off x="506818" y="2327247"/>
+            <a:ext cx="3417110" cy="648072"/>
+          </a:xfrm>
+          <a:prstGeom prst="rect">
+            <a:avLst/>
+          </a:prstGeom>
+        </p:spPr>
+      </p:pic>
+      <p:pic>
+        <p:nvPicPr>
+          <p:cNvPr id="7" name="그림 6"/>
+          <p:cNvPicPr>
+            <a:picLocks noChangeAspect="1"/>
+          </p:cNvPicPr>
+          <p:nvPr/>
+        </p:nvPicPr>
+        <p:blipFill>
+          <a:blip r:embed="rId4">
+            <a:extLst>
+              <a:ext uri="{28A0092B-C50C-407E-A947-70E740481C1C}">
+                <a14:useLocalDpi xmlns:a14="http://schemas.microsoft.com/office/drawing/2010/main" val="0"/>
+              </a:ext>
+            </a:extLst>
+          </a:blip>
+          <a:stretch>
+            <a:fillRect/>
+          </a:stretch>
+        </p:blipFill>
+        <p:spPr>
+          <a:xfrm>
+            <a:off x="506818" y="3411466"/>
+            <a:ext cx="4846007" cy="685608"/>
+          </a:xfrm>
+          <a:prstGeom prst="rect">
+            <a:avLst/>
+          </a:prstGeom>
+        </p:spPr>
+      </p:pic>
+      <p:pic>
+        <p:nvPicPr>
+          <p:cNvPr id="8" name="그림 7"/>
+          <p:cNvPicPr>
+            <a:picLocks noChangeAspect="1"/>
+          </p:cNvPicPr>
+          <p:nvPr/>
+        </p:nvPicPr>
+        <p:blipFill>
+          <a:blip r:embed="rId5">
+            <a:extLst>
+              <a:ext uri="{28A0092B-C50C-407E-A947-70E740481C1C}">
+                <a14:useLocalDpi xmlns:a14="http://schemas.microsoft.com/office/drawing/2010/main" val="0"/>
+              </a:ext>
+            </a:extLst>
+          </a:blip>
+          <a:stretch>
+            <a:fillRect/>
+          </a:stretch>
+        </p:blipFill>
+        <p:spPr>
+          <a:xfrm>
+            <a:off x="506818" y="4533221"/>
+            <a:ext cx="7632849" cy="845065"/>
+          </a:xfrm>
+          <a:prstGeom prst="rect">
+            <a:avLst/>
+          </a:prstGeom>
+        </p:spPr>
+      </p:pic>
     </p:spTree>
     <p:extLst>
       <p:ext uri="{BB962C8B-B14F-4D97-AF65-F5344CB8AC3E}">
-        <p14:creationId xmlns:p14="http://schemas.microsoft.com/office/powerpoint/2010/main" val="3488655513"/>
+        <p14:creationId xmlns:p14="http://schemas.microsoft.com/office/powerpoint/2010/main" val="249434424"/>
       </p:ext>
     </p:extLst>
   </p:cSld>
@@ -7878,7 +7595,7 @@
                 <a:latin typeface="나눔고딕" pitchFamily="50" charset="-127"/>
                 <a:ea typeface="나눔고딕" pitchFamily="50" charset="-127"/>
               </a:rPr>
-              <a:t>Modified Code in python</a:t>
+              <a:t>Result Code in python</a:t>
             </a:r>
             <a:endParaRPr lang="ko-KR" altLang="en-US" sz="2000" spc="300" dirty="0">
               <a:gradFill>
@@ -7917,413 +7634,6 @@
               <a:rPr lang="en-US" altLang="ko-KR" smtClean="0"/>
               <a:pPr/>
               <a:t>11</a:t>
-            </a:fld>
-            <a:endParaRPr kumimoji="0" lang="ko-KR" altLang="en-US"/>
-          </a:p>
-        </p:txBody>
-      </p:sp>
-      <p:sp>
-        <p:nvSpPr>
-          <p:cNvPr id="9" name="TextBox 8"/>
-          <p:cNvSpPr txBox="1"/>
-          <p:nvPr/>
-        </p:nvSpPr>
-        <p:spPr>
-          <a:xfrm>
-            <a:off x="8585385" y="6377836"/>
-            <a:ext cx="637728" cy="307777"/>
-          </a:xfrm>
-          <a:prstGeom prst="rect">
-            <a:avLst/>
-          </a:prstGeom>
-          <a:noFill/>
-        </p:spPr>
-        <p:txBody>
-          <a:bodyPr wrap="square" rtlCol="0">
-            <a:spAutoFit/>
-          </a:bodyPr>
-          <a:lstStyle/>
-          <a:p>
-            <a:r>
-              <a:rPr lang="en-US" altLang="ko-KR" sz="1400" dirty="0" smtClean="0">
-                <a:solidFill>
-                  <a:schemeClr val="bg1">
-                    <a:lumMod val="50000"/>
-                  </a:schemeClr>
-                </a:solidFill>
-              </a:rPr>
-              <a:t>/19</a:t>
-            </a:r>
-            <a:endParaRPr lang="ko-KR" altLang="en-US" sz="1400" dirty="0">
-              <a:solidFill>
-                <a:schemeClr val="bg1">
-                  <a:lumMod val="50000"/>
-                </a:schemeClr>
-              </a:solidFill>
-            </a:endParaRPr>
-          </a:p>
-        </p:txBody>
-      </p:sp>
-      <p:pic>
-        <p:nvPicPr>
-          <p:cNvPr id="3" name="그림 2"/>
-          <p:cNvPicPr>
-            <a:picLocks noChangeAspect="1"/>
-          </p:cNvPicPr>
-          <p:nvPr/>
-        </p:nvPicPr>
-        <p:blipFill>
-          <a:blip r:embed="rId3">
-            <a:extLst>
-              <a:ext uri="{28A0092B-C50C-407E-A947-70E740481C1C}">
-                <a14:useLocalDpi xmlns:a14="http://schemas.microsoft.com/office/drawing/2010/main" val="0"/>
-              </a:ext>
-            </a:extLst>
-          </a:blip>
-          <a:stretch>
-            <a:fillRect/>
-          </a:stretch>
-        </p:blipFill>
-        <p:spPr>
-          <a:xfrm>
-            <a:off x="506818" y="2327247"/>
-            <a:ext cx="3417110" cy="648072"/>
-          </a:xfrm>
-          <a:prstGeom prst="rect">
-            <a:avLst/>
-          </a:prstGeom>
-        </p:spPr>
-      </p:pic>
-      <p:pic>
-        <p:nvPicPr>
-          <p:cNvPr id="7" name="그림 6"/>
-          <p:cNvPicPr>
-            <a:picLocks noChangeAspect="1"/>
-          </p:cNvPicPr>
-          <p:nvPr/>
-        </p:nvPicPr>
-        <p:blipFill>
-          <a:blip r:embed="rId4">
-            <a:extLst>
-              <a:ext uri="{28A0092B-C50C-407E-A947-70E740481C1C}">
-                <a14:useLocalDpi xmlns:a14="http://schemas.microsoft.com/office/drawing/2010/main" val="0"/>
-              </a:ext>
-            </a:extLst>
-          </a:blip>
-          <a:stretch>
-            <a:fillRect/>
-          </a:stretch>
-        </p:blipFill>
-        <p:spPr>
-          <a:xfrm>
-            <a:off x="506818" y="3411466"/>
-            <a:ext cx="4846007" cy="685608"/>
-          </a:xfrm>
-          <a:prstGeom prst="rect">
-            <a:avLst/>
-          </a:prstGeom>
-        </p:spPr>
-      </p:pic>
-      <p:pic>
-        <p:nvPicPr>
-          <p:cNvPr id="8" name="그림 7"/>
-          <p:cNvPicPr>
-            <a:picLocks noChangeAspect="1"/>
-          </p:cNvPicPr>
-          <p:nvPr/>
-        </p:nvPicPr>
-        <p:blipFill>
-          <a:blip r:embed="rId5">
-            <a:extLst>
-              <a:ext uri="{28A0092B-C50C-407E-A947-70E740481C1C}">
-                <a14:useLocalDpi xmlns:a14="http://schemas.microsoft.com/office/drawing/2010/main" val="0"/>
-              </a:ext>
-            </a:extLst>
-          </a:blip>
-          <a:stretch>
-            <a:fillRect/>
-          </a:stretch>
-        </p:blipFill>
-        <p:spPr>
-          <a:xfrm>
-            <a:off x="506818" y="4533221"/>
-            <a:ext cx="7632849" cy="845065"/>
-          </a:xfrm>
-          <a:prstGeom prst="rect">
-            <a:avLst/>
-          </a:prstGeom>
-        </p:spPr>
-      </p:pic>
-    </p:spTree>
-    <p:extLst>
-      <p:ext uri="{BB962C8B-B14F-4D97-AF65-F5344CB8AC3E}">
-        <p14:creationId xmlns:p14="http://schemas.microsoft.com/office/powerpoint/2010/main" val="249434424"/>
-      </p:ext>
-    </p:extLst>
-  </p:cSld>
-  <p:clrMapOvr>
-    <a:masterClrMapping/>
-  </p:clrMapOvr>
-  <p:transition/>
-  <p:timing>
-    <p:tnLst>
-      <p:par>
-        <p:cTn id="1" dur="indefinite" restart="never" nodeType="tmRoot"/>
-      </p:par>
-    </p:tnLst>
-  </p:timing>
-</p:sld>
-</file>
-
-<file path=ppt/slides/slide12.xml><?xml version="1.0" encoding="utf-8"?>
-<p:sld xmlns:a="http://schemas.openxmlformats.org/drawingml/2006/main" xmlns:r="http://schemas.openxmlformats.org/officeDocument/2006/relationships" xmlns:p="http://schemas.openxmlformats.org/presentationml/2006/main">
-  <p:cSld>
-    <p:spTree>
-      <p:nvGrpSpPr>
-        <p:cNvPr id="1" name=""/>
-        <p:cNvGrpSpPr/>
-        <p:nvPr/>
-      </p:nvGrpSpPr>
-      <p:grpSpPr>
-        <a:xfrm>
-          <a:off x="0" y="0"/>
-          <a:ext cx="0" cy="0"/>
-          <a:chOff x="0" y="0"/>
-          <a:chExt cx="0" cy="0"/>
-        </a:xfrm>
-      </p:grpSpPr>
-      <p:cxnSp>
-        <p:nvCxnSpPr>
-          <p:cNvPr id="15" name="직선 연결선 14"/>
-          <p:cNvCxnSpPr/>
-          <p:nvPr/>
-        </p:nvCxnSpPr>
-        <p:spPr>
-          <a:xfrm>
-            <a:off x="251520" y="332656"/>
-            <a:ext cx="8640960" cy="0"/>
-          </a:xfrm>
-          <a:prstGeom prst="line">
-            <a:avLst/>
-          </a:prstGeom>
-          <a:ln w="3175">
-            <a:solidFill>
-              <a:srgbClr val="68727E"/>
-            </a:solidFill>
-          </a:ln>
-        </p:spPr>
-        <p:style>
-          <a:lnRef idx="1">
-            <a:schemeClr val="accent1"/>
-          </a:lnRef>
-          <a:fillRef idx="0">
-            <a:schemeClr val="accent1"/>
-          </a:fillRef>
-          <a:effectRef idx="0">
-            <a:schemeClr val="accent1"/>
-          </a:effectRef>
-          <a:fontRef idx="minor">
-            <a:schemeClr val="tx1"/>
-          </a:fontRef>
-        </p:style>
-      </p:cxnSp>
-      <p:cxnSp>
-        <p:nvCxnSpPr>
-          <p:cNvPr id="19" name="직선 연결선 18"/>
-          <p:cNvCxnSpPr/>
-          <p:nvPr/>
-        </p:nvCxnSpPr>
-        <p:spPr>
-          <a:xfrm>
-            <a:off x="221703" y="1038567"/>
-            <a:ext cx="8640960" cy="0"/>
-          </a:xfrm>
-          <a:prstGeom prst="line">
-            <a:avLst/>
-          </a:prstGeom>
-          <a:ln w="3175">
-            <a:solidFill>
-              <a:srgbClr val="68727E"/>
-            </a:solidFill>
-          </a:ln>
-        </p:spPr>
-        <p:style>
-          <a:lnRef idx="1">
-            <a:schemeClr val="accent1"/>
-          </a:lnRef>
-          <a:fillRef idx="0">
-            <a:schemeClr val="accent1"/>
-          </a:fillRef>
-          <a:effectRef idx="0">
-            <a:schemeClr val="accent1"/>
-          </a:effectRef>
-          <a:fontRef idx="minor">
-            <a:schemeClr val="tx1"/>
-          </a:fontRef>
-        </p:style>
-      </p:cxnSp>
-      <p:sp>
-        <p:nvSpPr>
-          <p:cNvPr id="16" name="TextBox 15"/>
-          <p:cNvSpPr txBox="1"/>
-          <p:nvPr/>
-        </p:nvSpPr>
-        <p:spPr>
-          <a:xfrm>
-            <a:off x="7020475" y="755296"/>
-            <a:ext cx="1872208" cy="240066"/>
-          </a:xfrm>
-          <a:prstGeom prst="rect">
-            <a:avLst/>
-          </a:prstGeom>
-          <a:noFill/>
-        </p:spPr>
-        <p:txBody>
-          <a:bodyPr wrap="square" rtlCol="0">
-            <a:spAutoFit/>
-          </a:bodyPr>
-          <a:lstStyle/>
-          <a:p>
-            <a:pPr algn="r">
-              <a:lnSpc>
-                <a:spcPct val="80000"/>
-              </a:lnSpc>
-            </a:pPr>
-            <a:r>
-              <a:rPr lang="en-US" altLang="ko-KR" sz="1200" b="1" dirty="0">
-                <a:solidFill>
-                  <a:srgbClr val="FFC000"/>
-                </a:solidFill>
-                <a:effectLst>
-                  <a:outerShdw blurRad="38100" dist="38100" dir="2700000" algn="tl">
-                    <a:srgbClr val="000000">
-                      <a:alpha val="43137"/>
-                    </a:srgbClr>
-                  </a:outerShdw>
-                </a:effectLst>
-                <a:latin typeface="나눔고딕" pitchFamily="50" charset="-127"/>
-                <a:ea typeface="나눔고딕" pitchFamily="50" charset="-127"/>
-              </a:rPr>
-              <a:t>C</a:t>
-            </a:r>
-            <a:r>
-              <a:rPr lang="en-US" altLang="ko-KR" sz="1200" b="1" dirty="0">
-                <a:gradFill>
-                  <a:gsLst>
-                    <a:gs pos="0">
-                      <a:srgbClr val="68727E"/>
-                    </a:gs>
-                    <a:gs pos="50000">
-                      <a:srgbClr val="68727E"/>
-                    </a:gs>
-                  </a:gsLst>
-                  <a:lin ang="5400000" scaled="0"/>
-                </a:gradFill>
-                <a:latin typeface="나눔고딕" pitchFamily="50" charset="-127"/>
-                <a:ea typeface="나눔고딕" pitchFamily="50" charset="-127"/>
-              </a:rPr>
-              <a:t> team</a:t>
-            </a:r>
-            <a:endParaRPr lang="ko-KR" altLang="en-US" sz="1200" b="1" dirty="0">
-              <a:gradFill>
-                <a:gsLst>
-                  <a:gs pos="0">
-                    <a:srgbClr val="68727E"/>
-                  </a:gs>
-                  <a:gs pos="50000">
-                    <a:srgbClr val="68727E"/>
-                  </a:gs>
-                </a:gsLst>
-                <a:lin ang="5400000" scaled="0"/>
-              </a:gradFill>
-              <a:latin typeface="나눔고딕" pitchFamily="50" charset="-127"/>
-              <a:ea typeface="나눔고딕" pitchFamily="50" charset="-127"/>
-            </a:endParaRPr>
-          </a:p>
-        </p:txBody>
-      </p:sp>
-      <p:sp>
-        <p:nvSpPr>
-          <p:cNvPr id="21" name="TextBox 20"/>
-          <p:cNvSpPr txBox="1"/>
-          <p:nvPr/>
-        </p:nvSpPr>
-        <p:spPr>
-          <a:xfrm>
-            <a:off x="179512" y="461805"/>
-            <a:ext cx="7488832" cy="369332"/>
-          </a:xfrm>
-          <a:prstGeom prst="rect">
-            <a:avLst/>
-          </a:prstGeom>
-          <a:noFill/>
-        </p:spPr>
-        <p:txBody>
-          <a:bodyPr wrap="square" rtlCol="0">
-            <a:spAutoFit/>
-          </a:bodyPr>
-          <a:lstStyle/>
-          <a:p>
-            <a:pPr>
-              <a:lnSpc>
-                <a:spcPct val="90000"/>
-              </a:lnSpc>
-            </a:pPr>
-            <a:r>
-              <a:rPr lang="en-US" altLang="ko-KR" sz="2000" spc="300" dirty="0" smtClean="0">
-                <a:gradFill>
-                  <a:gsLst>
-                    <a:gs pos="0">
-                      <a:srgbClr val="C00000"/>
-                    </a:gs>
-                    <a:gs pos="100000">
-                      <a:srgbClr val="C00000"/>
-                    </a:gs>
-                  </a:gsLst>
-                  <a:lin ang="5400000" scaled="0"/>
-                </a:gradFill>
-                <a:latin typeface="나눔고딕" pitchFamily="50" charset="-127"/>
-                <a:ea typeface="나눔고딕" pitchFamily="50" charset="-127"/>
-              </a:rPr>
-              <a:t>Result Code in python</a:t>
-            </a:r>
-            <a:endParaRPr lang="ko-KR" altLang="en-US" sz="2000" spc="300" dirty="0">
-              <a:gradFill>
-                <a:gsLst>
-                  <a:gs pos="0">
-                    <a:srgbClr val="C00000"/>
-                  </a:gs>
-                  <a:gs pos="100000">
-                    <a:srgbClr val="C00000"/>
-                  </a:gs>
-                </a:gsLst>
-                <a:lin ang="5400000" scaled="0"/>
-              </a:gradFill>
-              <a:latin typeface="나눔고딕" pitchFamily="50" charset="-127"/>
-              <a:ea typeface="나눔고딕" pitchFamily="50" charset="-127"/>
-            </a:endParaRPr>
-          </a:p>
-        </p:txBody>
-      </p:sp>
-      <p:sp>
-        <p:nvSpPr>
-          <p:cNvPr id="5" name="슬라이드 번호 개체 틀 4"/>
-          <p:cNvSpPr>
-            <a:spLocks noGrp="1"/>
-          </p:cNvSpPr>
-          <p:nvPr>
-            <p:ph type="sldNum" sz="quarter" idx="12"/>
-          </p:nvPr>
-        </p:nvSpPr>
-        <p:spPr/>
-        <p:txBody>
-          <a:bodyPr/>
-          <a:lstStyle/>
-          <a:p>
-            <a:fld id="{963B0023-0CED-47F7-85AE-654F0B232C29}" type="slidenum">
-              <a:rPr lang="en-US" altLang="ko-KR" smtClean="0"/>
-              <a:pPr/>
-              <a:t>12</a:t>
             </a:fld>
             <a:endParaRPr kumimoji="0" lang="ko-KR" altLang="en-US"/>
           </a:p>
@@ -9321,51 +8631,16 @@
           </a:p>
         </p:txBody>
       </p:sp>
-      <p:cxnSp>
-        <p:nvCxnSpPr>
-          <p:cNvPr id="6" name="직선 연결선 5"/>
-          <p:cNvCxnSpPr/>
-          <p:nvPr/>
-        </p:nvCxnSpPr>
-        <p:spPr>
-          <a:xfrm>
-            <a:off x="251520" y="332656"/>
-            <a:ext cx="8640960" cy="0"/>
-          </a:xfrm>
-          <a:prstGeom prst="line">
-            <a:avLst/>
-          </a:prstGeom>
-          <a:ln w="3175">
-            <a:solidFill>
-              <a:srgbClr val="68727E"/>
-            </a:solidFill>
-          </a:ln>
-        </p:spPr>
-        <p:style>
-          <a:lnRef idx="1">
-            <a:schemeClr val="accent1"/>
-          </a:lnRef>
-          <a:fillRef idx="0">
-            <a:schemeClr val="accent1"/>
-          </a:fillRef>
-          <a:effectRef idx="0">
-            <a:schemeClr val="accent1"/>
-          </a:effectRef>
-          <a:fontRef idx="minor">
-            <a:schemeClr val="tx1"/>
-          </a:fontRef>
-        </p:style>
-      </p:cxnSp>
-      <p:sp>
-        <p:nvSpPr>
-          <p:cNvPr id="7" name="TextBox 6"/>
+      <p:sp>
+        <p:nvSpPr>
+          <p:cNvPr id="21" name="TextBox 20"/>
           <p:cNvSpPr txBox="1"/>
           <p:nvPr/>
         </p:nvSpPr>
         <p:spPr>
           <a:xfrm>
             <a:off x="179512" y="461805"/>
-            <a:ext cx="7056784" cy="369332"/>
+            <a:ext cx="5184576" cy="369332"/>
           </a:xfrm>
           <a:prstGeom prst="rect">
             <a:avLst/>
@@ -9399,7 +8674,7 @@
                 <a:latin typeface="나눔고딕" pitchFamily="50" charset="-127"/>
                 <a:ea typeface="나눔고딕" pitchFamily="50" charset="-127"/>
               </a:rPr>
-              <a:t>Change point of </a:t>
+              <a:t>Data send </a:t>
             </a:r>
             <a:r>
               <a:rPr lang="en-US" altLang="ko-KR" sz="2000" spc="300" dirty="0">
@@ -9439,116 +8714,6 @@
       </p:sp>
       <p:sp>
         <p:nvSpPr>
-          <p:cNvPr id="4" name="TextBox 3"/>
-          <p:cNvSpPr txBox="1"/>
-          <p:nvPr/>
-        </p:nvSpPr>
-        <p:spPr>
-          <a:xfrm>
-            <a:off x="478399" y="1844824"/>
-            <a:ext cx="8655361" cy="3785652"/>
-          </a:xfrm>
-          <a:prstGeom prst="rect">
-            <a:avLst/>
-          </a:prstGeom>
-          <a:noFill/>
-        </p:spPr>
-        <p:txBody>
-          <a:bodyPr wrap="square" rtlCol="0">
-            <a:spAutoFit/>
-          </a:bodyPr>
-          <a:lstStyle/>
-          <a:p>
-            <a:pPr marL="285750" indent="-285750">
-              <a:lnSpc>
-                <a:spcPct val="200000"/>
-              </a:lnSpc>
-              <a:buFontTx/>
-              <a:buChar char="-"/>
-            </a:pPr>
-            <a:r>
-              <a:rPr lang="en-US" altLang="ko-KR" sz="3000" dirty="0" smtClean="0">
-                <a:latin typeface="나눔고딕" panose="020D0604000000000000" pitchFamily="50" charset="-127"/>
-                <a:ea typeface="나눔고딕" panose="020D0604000000000000" pitchFamily="50" charset="-127"/>
-              </a:rPr>
-              <a:t>Delete </a:t>
-            </a:r>
-            <a:r>
-              <a:rPr lang="en-US" altLang="ko-KR" sz="3000" dirty="0">
-                <a:latin typeface="나눔고딕" panose="020D0604000000000000" pitchFamily="50" charset="-127"/>
-                <a:ea typeface="나눔고딕" panose="020D0604000000000000" pitchFamily="50" charset="-127"/>
-              </a:rPr>
-              <a:t>duplicate </a:t>
-            </a:r>
-            <a:r>
-              <a:rPr lang="en-US" altLang="ko-KR" sz="3000" dirty="0" smtClean="0">
-                <a:latin typeface="나눔고딕" panose="020D0604000000000000" pitchFamily="50" charset="-127"/>
-                <a:ea typeface="나눔고딕" panose="020D0604000000000000" pitchFamily="50" charset="-127"/>
-              </a:rPr>
-              <a:t>information</a:t>
-            </a:r>
-          </a:p>
-          <a:p>
-            <a:pPr marL="285750" indent="-285750">
-              <a:lnSpc>
-                <a:spcPct val="200000"/>
-              </a:lnSpc>
-              <a:buFontTx/>
-              <a:buChar char="-"/>
-            </a:pPr>
-            <a:r>
-              <a:rPr lang="en-US" altLang="ko-KR" sz="3000" dirty="0">
-                <a:latin typeface="나눔고딕" panose="020D0604000000000000" pitchFamily="50" charset="-127"/>
-                <a:ea typeface="나눔고딕" panose="020D0604000000000000" pitchFamily="50" charset="-127"/>
-              </a:rPr>
-              <a:t>Change authentication </a:t>
-            </a:r>
-            <a:r>
-              <a:rPr lang="en-US" altLang="ko-KR" sz="3000" dirty="0" smtClean="0">
-                <a:latin typeface="나눔고딕" panose="020D0604000000000000" pitchFamily="50" charset="-127"/>
-                <a:ea typeface="나눔고딕" panose="020D0604000000000000" pitchFamily="50" charset="-127"/>
-              </a:rPr>
-              <a:t>method in</a:t>
-            </a:r>
-            <a:r>
-              <a:rPr lang="ko-KR" altLang="en-US" sz="3000" dirty="0" smtClean="0">
-                <a:latin typeface="나눔고딕" panose="020D0604000000000000" pitchFamily="50" charset="-127"/>
-                <a:ea typeface="나눔고딕" panose="020D0604000000000000" pitchFamily="50" charset="-127"/>
-              </a:rPr>
-              <a:t> </a:t>
-            </a:r>
-            <a:r>
-              <a:rPr lang="en-US" altLang="ko-KR" sz="3000" dirty="0" smtClean="0">
-                <a:latin typeface="나눔고딕" panose="020D0604000000000000" pitchFamily="50" charset="-127"/>
-                <a:ea typeface="나눔고딕" panose="020D0604000000000000" pitchFamily="50" charset="-127"/>
-              </a:rPr>
-              <a:t>forgotten password situation</a:t>
-            </a:r>
-          </a:p>
-          <a:p>
-            <a:pPr marL="285750" indent="-285750">
-              <a:lnSpc>
-                <a:spcPct val="200000"/>
-              </a:lnSpc>
-              <a:buFontTx/>
-              <a:buChar char="-"/>
-            </a:pPr>
-            <a:r>
-              <a:rPr lang="en-US" altLang="ko-KR" sz="3000" dirty="0" smtClean="0">
-                <a:latin typeface="나눔고딕" panose="020D0604000000000000" pitchFamily="50" charset="-127"/>
-                <a:ea typeface="나눔고딕" panose="020D0604000000000000" pitchFamily="50" charset="-127"/>
-              </a:rPr>
-              <a:t>Change expression</a:t>
-            </a:r>
-            <a:endParaRPr lang="ko-KR" altLang="en-US" sz="3000" dirty="0">
-              <a:latin typeface="나눔고딕" panose="020D0604000000000000" pitchFamily="50" charset="-127"/>
-              <a:ea typeface="나눔고딕" panose="020D0604000000000000" pitchFamily="50" charset="-127"/>
-            </a:endParaRPr>
-          </a:p>
-        </p:txBody>
-      </p:sp>
-      <p:sp>
-        <p:nvSpPr>
           <p:cNvPr id="5" name="슬라이드 번호 개체 틀 4"/>
           <p:cNvSpPr>
             <a:spLocks noGrp="1"/>
@@ -9566,341 +8731,6 @@
               <a:rPr lang="en-US" altLang="ko-KR" smtClean="0"/>
               <a:pPr/>
               <a:t>3</a:t>
-            </a:fld>
-            <a:endParaRPr kumimoji="0" lang="ko-KR" altLang="en-US"/>
-          </a:p>
-        </p:txBody>
-      </p:sp>
-      <p:sp>
-        <p:nvSpPr>
-          <p:cNvPr id="9" name="TextBox 8"/>
-          <p:cNvSpPr txBox="1"/>
-          <p:nvPr/>
-        </p:nvSpPr>
-        <p:spPr>
-          <a:xfrm>
-            <a:off x="8585385" y="6377836"/>
-            <a:ext cx="637728" cy="307777"/>
-          </a:xfrm>
-          <a:prstGeom prst="rect">
-            <a:avLst/>
-          </a:prstGeom>
-          <a:noFill/>
-        </p:spPr>
-        <p:txBody>
-          <a:bodyPr wrap="square" rtlCol="0">
-            <a:spAutoFit/>
-          </a:bodyPr>
-          <a:lstStyle/>
-          <a:p>
-            <a:r>
-              <a:rPr lang="en-US" altLang="ko-KR" sz="1400" dirty="0" smtClean="0">
-                <a:solidFill>
-                  <a:schemeClr val="bg1">
-                    <a:lumMod val="50000"/>
-                  </a:schemeClr>
-                </a:solidFill>
-              </a:rPr>
-              <a:t>/19</a:t>
-            </a:r>
-            <a:endParaRPr lang="ko-KR" altLang="en-US" sz="1400" dirty="0">
-              <a:solidFill>
-                <a:schemeClr val="bg1">
-                  <a:lumMod val="50000"/>
-                </a:schemeClr>
-              </a:solidFill>
-            </a:endParaRPr>
-          </a:p>
-        </p:txBody>
-      </p:sp>
-    </p:spTree>
-    <p:extLst>
-      <p:ext uri="{BB962C8B-B14F-4D97-AF65-F5344CB8AC3E}">
-        <p14:creationId xmlns:p14="http://schemas.microsoft.com/office/powerpoint/2010/main" val="3798812805"/>
-      </p:ext>
-    </p:extLst>
-  </p:cSld>
-  <p:clrMapOvr>
-    <a:masterClrMapping/>
-  </p:clrMapOvr>
-  <p:transition/>
-  <p:timing>
-    <p:tnLst>
-      <p:par>
-        <p:cTn id="1" dur="indefinite" restart="never" nodeType="tmRoot"/>
-      </p:par>
-    </p:tnLst>
-  </p:timing>
-</p:sld>
-</file>
-
-<file path=ppt/slides/slide4.xml><?xml version="1.0" encoding="utf-8"?>
-<p:sld xmlns:a="http://schemas.openxmlformats.org/drawingml/2006/main" xmlns:r="http://schemas.openxmlformats.org/officeDocument/2006/relationships" xmlns:p="http://schemas.openxmlformats.org/presentationml/2006/main">
-  <p:cSld>
-    <p:spTree>
-      <p:nvGrpSpPr>
-        <p:cNvPr id="1" name=""/>
-        <p:cNvGrpSpPr/>
-        <p:nvPr/>
-      </p:nvGrpSpPr>
-      <p:grpSpPr>
-        <a:xfrm>
-          <a:off x="0" y="0"/>
-          <a:ext cx="0" cy="0"/>
-          <a:chOff x="0" y="0"/>
-          <a:chExt cx="0" cy="0"/>
-        </a:xfrm>
-      </p:grpSpPr>
-      <p:cxnSp>
-        <p:nvCxnSpPr>
-          <p:cNvPr id="15" name="직선 연결선 14"/>
-          <p:cNvCxnSpPr/>
-          <p:nvPr/>
-        </p:nvCxnSpPr>
-        <p:spPr>
-          <a:xfrm>
-            <a:off x="251520" y="332656"/>
-            <a:ext cx="8640960" cy="0"/>
-          </a:xfrm>
-          <a:prstGeom prst="line">
-            <a:avLst/>
-          </a:prstGeom>
-          <a:ln w="3175">
-            <a:solidFill>
-              <a:srgbClr val="68727E"/>
-            </a:solidFill>
-          </a:ln>
-        </p:spPr>
-        <p:style>
-          <a:lnRef idx="1">
-            <a:schemeClr val="accent1"/>
-          </a:lnRef>
-          <a:fillRef idx="0">
-            <a:schemeClr val="accent1"/>
-          </a:fillRef>
-          <a:effectRef idx="0">
-            <a:schemeClr val="accent1"/>
-          </a:effectRef>
-          <a:fontRef idx="minor">
-            <a:schemeClr val="tx1"/>
-          </a:fontRef>
-        </p:style>
-      </p:cxnSp>
-      <p:cxnSp>
-        <p:nvCxnSpPr>
-          <p:cNvPr id="19" name="직선 연결선 18"/>
-          <p:cNvCxnSpPr/>
-          <p:nvPr/>
-        </p:nvCxnSpPr>
-        <p:spPr>
-          <a:xfrm>
-            <a:off x="221703" y="1038567"/>
-            <a:ext cx="8640960" cy="0"/>
-          </a:xfrm>
-          <a:prstGeom prst="line">
-            <a:avLst/>
-          </a:prstGeom>
-          <a:ln w="3175">
-            <a:solidFill>
-              <a:srgbClr val="68727E"/>
-            </a:solidFill>
-          </a:ln>
-        </p:spPr>
-        <p:style>
-          <a:lnRef idx="1">
-            <a:schemeClr val="accent1"/>
-          </a:lnRef>
-          <a:fillRef idx="0">
-            <a:schemeClr val="accent1"/>
-          </a:fillRef>
-          <a:effectRef idx="0">
-            <a:schemeClr val="accent1"/>
-          </a:effectRef>
-          <a:fontRef idx="minor">
-            <a:schemeClr val="tx1"/>
-          </a:fontRef>
-        </p:style>
-      </p:cxnSp>
-      <p:sp>
-        <p:nvSpPr>
-          <p:cNvPr id="16" name="TextBox 15"/>
-          <p:cNvSpPr txBox="1"/>
-          <p:nvPr/>
-        </p:nvSpPr>
-        <p:spPr>
-          <a:xfrm>
-            <a:off x="7020475" y="755296"/>
-            <a:ext cx="1872208" cy="240066"/>
-          </a:xfrm>
-          <a:prstGeom prst="rect">
-            <a:avLst/>
-          </a:prstGeom>
-          <a:noFill/>
-        </p:spPr>
-        <p:txBody>
-          <a:bodyPr wrap="square" rtlCol="0">
-            <a:spAutoFit/>
-          </a:bodyPr>
-          <a:lstStyle/>
-          <a:p>
-            <a:pPr algn="r">
-              <a:lnSpc>
-                <a:spcPct val="80000"/>
-              </a:lnSpc>
-            </a:pPr>
-            <a:r>
-              <a:rPr lang="en-US" altLang="ko-KR" sz="1200" b="1" dirty="0">
-                <a:solidFill>
-                  <a:srgbClr val="FFC000"/>
-                </a:solidFill>
-                <a:effectLst>
-                  <a:outerShdw blurRad="38100" dist="38100" dir="2700000" algn="tl">
-                    <a:srgbClr val="000000">
-                      <a:alpha val="43137"/>
-                    </a:srgbClr>
-                  </a:outerShdw>
-                </a:effectLst>
-                <a:latin typeface="나눔고딕" pitchFamily="50" charset="-127"/>
-                <a:ea typeface="나눔고딕" pitchFamily="50" charset="-127"/>
-              </a:rPr>
-              <a:t>C</a:t>
-            </a:r>
-            <a:r>
-              <a:rPr lang="en-US" altLang="ko-KR" sz="1200" b="1" dirty="0">
-                <a:gradFill>
-                  <a:gsLst>
-                    <a:gs pos="0">
-                      <a:srgbClr val="68727E"/>
-                    </a:gs>
-                    <a:gs pos="50000">
-                      <a:srgbClr val="68727E"/>
-                    </a:gs>
-                  </a:gsLst>
-                  <a:lin ang="5400000" scaled="0"/>
-                </a:gradFill>
-                <a:latin typeface="나눔고딕" pitchFamily="50" charset="-127"/>
-                <a:ea typeface="나눔고딕" pitchFamily="50" charset="-127"/>
-              </a:rPr>
-              <a:t> team</a:t>
-            </a:r>
-            <a:endParaRPr lang="ko-KR" altLang="en-US" sz="1200" b="1" dirty="0">
-              <a:gradFill>
-                <a:gsLst>
-                  <a:gs pos="0">
-                    <a:srgbClr val="68727E"/>
-                  </a:gs>
-                  <a:gs pos="50000">
-                    <a:srgbClr val="68727E"/>
-                  </a:gs>
-                </a:gsLst>
-                <a:lin ang="5400000" scaled="0"/>
-              </a:gradFill>
-              <a:latin typeface="나눔고딕" pitchFamily="50" charset="-127"/>
-              <a:ea typeface="나눔고딕" pitchFamily="50" charset="-127"/>
-            </a:endParaRPr>
-          </a:p>
-        </p:txBody>
-      </p:sp>
-      <p:sp>
-        <p:nvSpPr>
-          <p:cNvPr id="21" name="TextBox 20"/>
-          <p:cNvSpPr txBox="1"/>
-          <p:nvPr/>
-        </p:nvSpPr>
-        <p:spPr>
-          <a:xfrm>
-            <a:off x="179512" y="461805"/>
-            <a:ext cx="5184576" cy="369332"/>
-          </a:xfrm>
-          <a:prstGeom prst="rect">
-            <a:avLst/>
-          </a:prstGeom>
-          <a:noFill/>
-        </p:spPr>
-        <p:txBody>
-          <a:bodyPr wrap="square" rtlCol="0">
-            <a:spAutoFit/>
-          </a:bodyPr>
-          <a:lstStyle/>
-          <a:p>
-            <a:pPr>
-              <a:lnSpc>
-                <a:spcPct val="90000"/>
-              </a:lnSpc>
-            </a:pPr>
-            <a:r>
-              <a:rPr lang="en-US" altLang="ko-KR" sz="2000" spc="300" dirty="0" smtClean="0">
-                <a:gradFill>
-                  <a:gsLst>
-                    <a:gs pos="0">
-                      <a:srgbClr val="C00000"/>
-                    </a:gs>
-                    <a:gs pos="100000">
-                      <a:srgbClr val="C00000"/>
-                    </a:gs>
-                  </a:gsLst>
-                  <a:lin ang="5400000" scaled="0"/>
-                </a:gradFill>
-                <a:latin typeface="나눔고딕" pitchFamily="50" charset="-127"/>
-                <a:ea typeface="나눔고딕" pitchFamily="50" charset="-127"/>
-              </a:rPr>
-              <a:t>Data send </a:t>
-            </a:r>
-            <a:r>
-              <a:rPr lang="en-US" altLang="ko-KR" sz="2000" spc="300" dirty="0">
-                <a:gradFill>
-                  <a:gsLst>
-                    <a:gs pos="0">
-                      <a:srgbClr val="C00000"/>
-                    </a:gs>
-                    <a:gs pos="100000">
-                      <a:srgbClr val="C00000"/>
-                    </a:gs>
-                  </a:gsLst>
-                  <a:lin ang="5400000" scaled="0"/>
-                </a:gradFill>
-                <a:latin typeface="나눔고딕" pitchFamily="50" charset="-127"/>
-                <a:ea typeface="나눔고딕" pitchFamily="50" charset="-127"/>
-              </a:rPr>
-              <a:t>Sequence  Diagram</a:t>
-            </a:r>
-            <a:endParaRPr lang="ko-KR" altLang="en-US" sz="2000" spc="300" dirty="0">
-              <a:gradFill>
-                <a:gsLst>
-                  <a:gs pos="0">
-                    <a:srgbClr val="C00000"/>
-                  </a:gs>
-                  <a:gs pos="100000">
-                    <a:srgbClr val="C00000"/>
-                  </a:gs>
-                </a:gsLst>
-                <a:lin ang="5400000" scaled="0"/>
-              </a:gradFill>
-              <a:latin typeface="나눔고딕" pitchFamily="50" charset="-127"/>
-              <a:ea typeface="나눔고딕" pitchFamily="50" charset="-127"/>
-            </a:endParaRPr>
-          </a:p>
-        </p:txBody>
-      </p:sp>
-      <p:sp>
-        <p:nvSpPr>
-          <p:cNvPr id="5" name="슬라이드 번호 개체 틀 4"/>
-          <p:cNvSpPr>
-            <a:spLocks noGrp="1"/>
-          </p:cNvSpPr>
-          <p:nvPr>
-            <p:ph type="sldNum" sz="quarter" idx="12"/>
-          </p:nvPr>
-        </p:nvSpPr>
-        <p:spPr/>
-        <p:txBody>
-          <a:bodyPr/>
-          <a:lstStyle/>
-          <a:p>
-            <a:fld id="{963B0023-0CED-47F7-85AE-654F0B232C29}" type="slidenum">
-              <a:rPr lang="en-US" altLang="ko-KR" smtClean="0"/>
-              <a:pPr/>
-              <a:t>4</a:t>
             </a:fld>
             <a:endParaRPr kumimoji="0" lang="ko-KR" altLang="en-US"/>
           </a:p>
@@ -10104,7 +8934,7 @@
 </p:sld>
 </file>
 
-<file path=ppt/slides/slide5.xml><?xml version="1.0" encoding="utf-8"?>
+<file path=ppt/slides/slide4.xml><?xml version="1.0" encoding="utf-8"?>
 <p:sld xmlns:a="http://schemas.openxmlformats.org/drawingml/2006/main" xmlns:r="http://schemas.openxmlformats.org/officeDocument/2006/relationships" xmlns:p="http://schemas.openxmlformats.org/presentationml/2006/main">
   <p:cSld>
     <p:spTree>
@@ -10370,7 +9200,7 @@
             <a:fld id="{963B0023-0CED-47F7-85AE-654F0B232C29}" type="slidenum">
               <a:rPr lang="en-US" altLang="ko-KR" smtClean="0"/>
               <a:pPr/>
-              <a:t>5</a:t>
+              <a:t>4</a:t>
             </a:fld>
             <a:endParaRPr kumimoji="0" lang="ko-KR" altLang="en-US"/>
           </a:p>
@@ -10604,7 +9434,7 @@
 </p:sld>
 </file>
 
-<file path=ppt/slides/slide6.xml><?xml version="1.0" encoding="utf-8"?>
+<file path=ppt/slides/slide5.xml><?xml version="1.0" encoding="utf-8"?>
 <p:sld xmlns:a="http://schemas.openxmlformats.org/drawingml/2006/main" xmlns:r="http://schemas.openxmlformats.org/officeDocument/2006/relationships" xmlns:p="http://schemas.openxmlformats.org/presentationml/2006/main">
   <p:cSld>
     <p:spTree>
@@ -10870,7 +9700,7 @@
             <a:fld id="{963B0023-0CED-47F7-85AE-654F0B232C29}" type="slidenum">
               <a:rPr lang="en-US" altLang="ko-KR" smtClean="0"/>
               <a:pPr/>
-              <a:t>6</a:t>
+              <a:t>5</a:t>
             </a:fld>
             <a:endParaRPr kumimoji="0" lang="ko-KR" altLang="en-US"/>
           </a:p>
@@ -11074,6 +9904,371 @@
 </p:sld>
 </file>
 
+<file path=ppt/slides/slide6.xml><?xml version="1.0" encoding="utf-8"?>
+<p:sld xmlns:a="http://schemas.openxmlformats.org/drawingml/2006/main" xmlns:r="http://schemas.openxmlformats.org/officeDocument/2006/relationships" xmlns:p="http://schemas.openxmlformats.org/presentationml/2006/main">
+  <p:cSld>
+    <p:spTree>
+      <p:nvGrpSpPr>
+        <p:cNvPr id="1" name=""/>
+        <p:cNvGrpSpPr/>
+        <p:nvPr/>
+      </p:nvGrpSpPr>
+      <p:grpSpPr>
+        <a:xfrm>
+          <a:off x="0" y="0"/>
+          <a:ext cx="0" cy="0"/>
+          <a:chOff x="0" y="0"/>
+          <a:chExt cx="0" cy="0"/>
+        </a:xfrm>
+      </p:grpSpPr>
+      <p:cxnSp>
+        <p:nvCxnSpPr>
+          <p:cNvPr id="15" name="직선 연결선 14"/>
+          <p:cNvCxnSpPr/>
+          <p:nvPr/>
+        </p:nvCxnSpPr>
+        <p:spPr>
+          <a:xfrm>
+            <a:off x="251520" y="332656"/>
+            <a:ext cx="8640960" cy="0"/>
+          </a:xfrm>
+          <a:prstGeom prst="line">
+            <a:avLst/>
+          </a:prstGeom>
+          <a:ln w="3175">
+            <a:solidFill>
+              <a:srgbClr val="68727E"/>
+            </a:solidFill>
+          </a:ln>
+        </p:spPr>
+        <p:style>
+          <a:lnRef idx="1">
+            <a:schemeClr val="accent1"/>
+          </a:lnRef>
+          <a:fillRef idx="0">
+            <a:schemeClr val="accent1"/>
+          </a:fillRef>
+          <a:effectRef idx="0">
+            <a:schemeClr val="accent1"/>
+          </a:effectRef>
+          <a:fontRef idx="minor">
+            <a:schemeClr val="tx1"/>
+          </a:fontRef>
+        </p:style>
+      </p:cxnSp>
+      <p:cxnSp>
+        <p:nvCxnSpPr>
+          <p:cNvPr id="19" name="직선 연결선 18"/>
+          <p:cNvCxnSpPr/>
+          <p:nvPr/>
+        </p:nvCxnSpPr>
+        <p:spPr>
+          <a:xfrm>
+            <a:off x="221703" y="1038567"/>
+            <a:ext cx="8640960" cy="0"/>
+          </a:xfrm>
+          <a:prstGeom prst="line">
+            <a:avLst/>
+          </a:prstGeom>
+          <a:ln w="3175">
+            <a:solidFill>
+              <a:srgbClr val="68727E"/>
+            </a:solidFill>
+          </a:ln>
+        </p:spPr>
+        <p:style>
+          <a:lnRef idx="1">
+            <a:schemeClr val="accent1"/>
+          </a:lnRef>
+          <a:fillRef idx="0">
+            <a:schemeClr val="accent1"/>
+          </a:fillRef>
+          <a:effectRef idx="0">
+            <a:schemeClr val="accent1"/>
+          </a:effectRef>
+          <a:fontRef idx="minor">
+            <a:schemeClr val="tx1"/>
+          </a:fontRef>
+        </p:style>
+      </p:cxnSp>
+      <p:sp>
+        <p:nvSpPr>
+          <p:cNvPr id="16" name="TextBox 15"/>
+          <p:cNvSpPr txBox="1"/>
+          <p:nvPr/>
+        </p:nvSpPr>
+        <p:spPr>
+          <a:xfrm>
+            <a:off x="7020475" y="755296"/>
+            <a:ext cx="1872208" cy="240066"/>
+          </a:xfrm>
+          <a:prstGeom prst="rect">
+            <a:avLst/>
+          </a:prstGeom>
+          <a:noFill/>
+        </p:spPr>
+        <p:txBody>
+          <a:bodyPr wrap="square" rtlCol="0">
+            <a:spAutoFit/>
+          </a:bodyPr>
+          <a:lstStyle/>
+          <a:p>
+            <a:pPr algn="r">
+              <a:lnSpc>
+                <a:spcPct val="80000"/>
+              </a:lnSpc>
+            </a:pPr>
+            <a:r>
+              <a:rPr lang="en-US" altLang="ko-KR" sz="1200" b="1" dirty="0">
+                <a:solidFill>
+                  <a:srgbClr val="FFC000"/>
+                </a:solidFill>
+                <a:effectLst>
+                  <a:outerShdw blurRad="38100" dist="38100" dir="2700000" algn="tl">
+                    <a:srgbClr val="000000">
+                      <a:alpha val="43137"/>
+                    </a:srgbClr>
+                  </a:outerShdw>
+                </a:effectLst>
+                <a:latin typeface="나눔고딕" pitchFamily="50" charset="-127"/>
+                <a:ea typeface="나눔고딕" pitchFamily="50" charset="-127"/>
+              </a:rPr>
+              <a:t>C</a:t>
+            </a:r>
+            <a:r>
+              <a:rPr lang="en-US" altLang="ko-KR" sz="1200" b="1" dirty="0">
+                <a:gradFill>
+                  <a:gsLst>
+                    <a:gs pos="0">
+                      <a:srgbClr val="68727E"/>
+                    </a:gs>
+                    <a:gs pos="50000">
+                      <a:srgbClr val="68727E"/>
+                    </a:gs>
+                  </a:gsLst>
+                  <a:lin ang="5400000" scaled="0"/>
+                </a:gradFill>
+                <a:latin typeface="나눔고딕" pitchFamily="50" charset="-127"/>
+                <a:ea typeface="나눔고딕" pitchFamily="50" charset="-127"/>
+              </a:rPr>
+              <a:t> team</a:t>
+            </a:r>
+            <a:endParaRPr lang="ko-KR" altLang="en-US" sz="1200" b="1" dirty="0">
+              <a:gradFill>
+                <a:gsLst>
+                  <a:gs pos="0">
+                    <a:srgbClr val="68727E"/>
+                  </a:gs>
+                  <a:gs pos="50000">
+                    <a:srgbClr val="68727E"/>
+                  </a:gs>
+                </a:gsLst>
+                <a:lin ang="5400000" scaled="0"/>
+              </a:gradFill>
+              <a:latin typeface="나눔고딕" pitchFamily="50" charset="-127"/>
+              <a:ea typeface="나눔고딕" pitchFamily="50" charset="-127"/>
+            </a:endParaRPr>
+          </a:p>
+        </p:txBody>
+      </p:sp>
+      <p:sp>
+        <p:nvSpPr>
+          <p:cNvPr id="21" name="TextBox 20"/>
+          <p:cNvSpPr txBox="1"/>
+          <p:nvPr/>
+        </p:nvSpPr>
+        <p:spPr>
+          <a:xfrm>
+            <a:off x="179512" y="461805"/>
+            <a:ext cx="5184576" cy="369332"/>
+          </a:xfrm>
+          <a:prstGeom prst="rect">
+            <a:avLst/>
+          </a:prstGeom>
+          <a:noFill/>
+        </p:spPr>
+        <p:txBody>
+          <a:bodyPr wrap="square" rtlCol="0">
+            <a:spAutoFit/>
+          </a:bodyPr>
+          <a:lstStyle/>
+          <a:p>
+            <a:pPr>
+              <a:lnSpc>
+                <a:spcPct val="90000"/>
+              </a:lnSpc>
+            </a:pPr>
+            <a:r>
+              <a:rPr lang="en-US" altLang="ko-KR" sz="2000" spc="300" dirty="0" smtClean="0">
+                <a:gradFill>
+                  <a:gsLst>
+                    <a:gs pos="0">
+                      <a:srgbClr val="C00000"/>
+                    </a:gs>
+                    <a:gs pos="100000">
+                      <a:srgbClr val="C00000"/>
+                    </a:gs>
+                  </a:gsLst>
+                  <a:lin ang="5400000" scaled="0"/>
+                </a:gradFill>
+                <a:latin typeface="나눔고딕" pitchFamily="50" charset="-127"/>
+                <a:ea typeface="나눔고딕" pitchFamily="50" charset="-127"/>
+              </a:rPr>
+              <a:t>History Sequence </a:t>
+            </a:r>
+            <a:r>
+              <a:rPr lang="en-US" altLang="ko-KR" sz="2000" spc="300" dirty="0">
+                <a:gradFill>
+                  <a:gsLst>
+                    <a:gs pos="0">
+                      <a:srgbClr val="C00000"/>
+                    </a:gs>
+                    <a:gs pos="100000">
+                      <a:srgbClr val="C00000"/>
+                    </a:gs>
+                  </a:gsLst>
+                  <a:lin ang="5400000" scaled="0"/>
+                </a:gradFill>
+                <a:latin typeface="나눔고딕" pitchFamily="50" charset="-127"/>
+                <a:ea typeface="나눔고딕" pitchFamily="50" charset="-127"/>
+              </a:rPr>
+              <a:t>Diagram</a:t>
+            </a:r>
+            <a:endParaRPr lang="ko-KR" altLang="en-US" sz="2000" spc="300" dirty="0">
+              <a:gradFill>
+                <a:gsLst>
+                  <a:gs pos="0">
+                    <a:srgbClr val="C00000"/>
+                  </a:gs>
+                  <a:gs pos="100000">
+                    <a:srgbClr val="C00000"/>
+                  </a:gs>
+                </a:gsLst>
+                <a:lin ang="5400000" scaled="0"/>
+              </a:gradFill>
+              <a:latin typeface="나눔고딕" pitchFamily="50" charset="-127"/>
+              <a:ea typeface="나눔고딕" pitchFamily="50" charset="-127"/>
+            </a:endParaRPr>
+          </a:p>
+        </p:txBody>
+      </p:sp>
+      <p:sp>
+        <p:nvSpPr>
+          <p:cNvPr id="5" name="슬라이드 번호 개체 틀 4"/>
+          <p:cNvSpPr>
+            <a:spLocks noGrp="1"/>
+          </p:cNvSpPr>
+          <p:nvPr>
+            <p:ph type="sldNum" sz="quarter" idx="12"/>
+          </p:nvPr>
+        </p:nvSpPr>
+        <p:spPr/>
+        <p:txBody>
+          <a:bodyPr/>
+          <a:lstStyle/>
+          <a:p>
+            <a:fld id="{963B0023-0CED-47F7-85AE-654F0B232C29}" type="slidenum">
+              <a:rPr lang="en-US" altLang="ko-KR" smtClean="0"/>
+              <a:pPr/>
+              <a:t>6</a:t>
+            </a:fld>
+            <a:endParaRPr kumimoji="0" lang="ko-KR" altLang="en-US"/>
+          </a:p>
+        </p:txBody>
+      </p:sp>
+      <p:sp>
+        <p:nvSpPr>
+          <p:cNvPr id="9" name="TextBox 8"/>
+          <p:cNvSpPr txBox="1"/>
+          <p:nvPr/>
+        </p:nvSpPr>
+        <p:spPr>
+          <a:xfrm>
+            <a:off x="8585385" y="6377836"/>
+            <a:ext cx="637728" cy="307777"/>
+          </a:xfrm>
+          <a:prstGeom prst="rect">
+            <a:avLst/>
+          </a:prstGeom>
+          <a:noFill/>
+        </p:spPr>
+        <p:txBody>
+          <a:bodyPr wrap="square" rtlCol="0">
+            <a:spAutoFit/>
+          </a:bodyPr>
+          <a:lstStyle/>
+          <a:p>
+            <a:r>
+              <a:rPr lang="en-US" altLang="ko-KR" sz="1400" dirty="0" smtClean="0">
+                <a:solidFill>
+                  <a:schemeClr val="bg1">
+                    <a:lumMod val="50000"/>
+                  </a:schemeClr>
+                </a:solidFill>
+              </a:rPr>
+              <a:t>/19</a:t>
+            </a:r>
+            <a:endParaRPr lang="ko-KR" altLang="en-US" sz="1400" dirty="0">
+              <a:solidFill>
+                <a:schemeClr val="bg1">
+                  <a:lumMod val="50000"/>
+                </a:schemeClr>
+              </a:solidFill>
+            </a:endParaRPr>
+          </a:p>
+        </p:txBody>
+      </p:sp>
+      <p:pic>
+        <p:nvPicPr>
+          <p:cNvPr id="2" name="그림 1"/>
+          <p:cNvPicPr>
+            <a:picLocks noChangeAspect="1"/>
+          </p:cNvPicPr>
+          <p:nvPr/>
+        </p:nvPicPr>
+        <p:blipFill>
+          <a:blip r:embed="rId3">
+            <a:extLst>
+              <a:ext uri="{28A0092B-C50C-407E-A947-70E740481C1C}">
+                <a14:useLocalDpi xmlns:a14="http://schemas.microsoft.com/office/drawing/2010/main" val="0"/>
+              </a:ext>
+            </a:extLst>
+          </a:blip>
+          <a:stretch>
+            <a:fillRect/>
+          </a:stretch>
+        </p:blipFill>
+        <p:spPr>
+          <a:xfrm>
+            <a:off x="1187523" y="1109121"/>
+            <a:ext cx="6768955" cy="5368054"/>
+          </a:xfrm>
+          <a:prstGeom prst="rect">
+            <a:avLst/>
+          </a:prstGeom>
+        </p:spPr>
+      </p:pic>
+    </p:spTree>
+    <p:extLst>
+      <p:ext uri="{BB962C8B-B14F-4D97-AF65-F5344CB8AC3E}">
+        <p14:creationId xmlns:p14="http://schemas.microsoft.com/office/powerpoint/2010/main" val="747309003"/>
+      </p:ext>
+    </p:extLst>
+  </p:cSld>
+  <p:clrMapOvr>
+    <a:masterClrMapping/>
+  </p:clrMapOvr>
+  <p:transition/>
+  <p:timing>
+    <p:tnLst>
+      <p:par>
+        <p:cTn id="1" dur="indefinite" restart="never" nodeType="tmRoot"/>
+      </p:par>
+    </p:tnLst>
+  </p:timing>
+</p:sld>
+</file>
+
 <file path=ppt/slides/slide7.xml><?xml version="1.0" encoding="utf-8"?>
 <p:sld xmlns:a="http://schemas.openxmlformats.org/drawingml/2006/main" xmlns:r="http://schemas.openxmlformats.org/officeDocument/2006/relationships" xmlns:p="http://schemas.openxmlformats.org/presentationml/2006/main">
   <p:cSld>
@@ -11284,25 +10479,7 @@
                 <a:latin typeface="나눔고딕" pitchFamily="50" charset="-127"/>
                 <a:ea typeface="나눔고딕" pitchFamily="50" charset="-127"/>
               </a:rPr>
-              <a:t>History Sequence </a:t>
-            </a:r>
-            <a:r>
-              <a:rPr lang="en-US" altLang="ko-KR" sz="2000" spc="300" dirty="0">
-                <a:gradFill>
-                  <a:gsLst>
-                    <a:gs pos="0">
-                      <a:srgbClr val="C00000"/>
-                    </a:gs>
-                    <a:gs pos="100000">
-                      <a:srgbClr val="C00000"/>
-                    </a:gs>
-                  </a:gsLst>
-                  <a:lin ang="5400000" scaled="0"/>
-                </a:gradFill>
-                <a:latin typeface="나눔고딕" pitchFamily="50" charset="-127"/>
-                <a:ea typeface="나눔고딕" pitchFamily="50" charset="-127"/>
-              </a:rPr>
-              <a:t>Diagram</a:t>
+              <a:t>Map search Sequence Diagram</a:t>
             </a:r>
             <a:endParaRPr lang="ko-KR" altLang="en-US" sz="2000" spc="300" dirty="0">
               <a:gradFill>
@@ -11390,7 +10567,7 @@
       </p:sp>
       <p:pic>
         <p:nvPicPr>
-          <p:cNvPr id="2" name="그림 1"/>
+          <p:cNvPr id="3" name="그림 2"/>
           <p:cNvPicPr>
             <a:picLocks noChangeAspect="1"/>
           </p:cNvPicPr>
@@ -11410,8 +10587,8 @@
         </p:blipFill>
         <p:spPr>
           <a:xfrm>
-            <a:off x="1187523" y="1109121"/>
-            <a:ext cx="6768955" cy="5368054"/>
+            <a:off x="1187624" y="1127511"/>
+            <a:ext cx="6931549" cy="5185633"/>
           </a:xfrm>
           <a:prstGeom prst="rect">
             <a:avLst/>
@@ -11421,7 +10598,7 @@
     </p:spTree>
     <p:extLst>
       <p:ext uri="{BB962C8B-B14F-4D97-AF65-F5344CB8AC3E}">
-        <p14:creationId xmlns:p14="http://schemas.microsoft.com/office/powerpoint/2010/main" val="747309003"/>
+        <p14:creationId xmlns:p14="http://schemas.microsoft.com/office/powerpoint/2010/main" val="1931022423"/>
       </p:ext>
     </p:extLst>
   </p:cSld>
@@ -11615,353 +10792,6 @@
         <p:spPr>
           <a:xfrm>
             <a:off x="179512" y="461805"/>
-            <a:ext cx="5184576" cy="369332"/>
-          </a:xfrm>
-          <a:prstGeom prst="rect">
-            <a:avLst/>
-          </a:prstGeom>
-          <a:noFill/>
-        </p:spPr>
-        <p:txBody>
-          <a:bodyPr wrap="square" rtlCol="0">
-            <a:spAutoFit/>
-          </a:bodyPr>
-          <a:lstStyle/>
-          <a:p>
-            <a:pPr>
-              <a:lnSpc>
-                <a:spcPct val="90000"/>
-              </a:lnSpc>
-            </a:pPr>
-            <a:r>
-              <a:rPr lang="en-US" altLang="ko-KR" sz="2000" spc="300" dirty="0" smtClean="0">
-                <a:gradFill>
-                  <a:gsLst>
-                    <a:gs pos="0">
-                      <a:srgbClr val="C00000"/>
-                    </a:gs>
-                    <a:gs pos="100000">
-                      <a:srgbClr val="C00000"/>
-                    </a:gs>
-                  </a:gsLst>
-                  <a:lin ang="5400000" scaled="0"/>
-                </a:gradFill>
-                <a:latin typeface="나눔고딕" pitchFamily="50" charset="-127"/>
-                <a:ea typeface="나눔고딕" pitchFamily="50" charset="-127"/>
-              </a:rPr>
-              <a:t>Map search Sequence Diagram</a:t>
-            </a:r>
-            <a:endParaRPr lang="ko-KR" altLang="en-US" sz="2000" spc="300" dirty="0">
-              <a:gradFill>
-                <a:gsLst>
-                  <a:gs pos="0">
-                    <a:srgbClr val="C00000"/>
-                  </a:gs>
-                  <a:gs pos="100000">
-                    <a:srgbClr val="C00000"/>
-                  </a:gs>
-                </a:gsLst>
-                <a:lin ang="5400000" scaled="0"/>
-              </a:gradFill>
-              <a:latin typeface="나눔고딕" pitchFamily="50" charset="-127"/>
-              <a:ea typeface="나눔고딕" pitchFamily="50" charset="-127"/>
-            </a:endParaRPr>
-          </a:p>
-        </p:txBody>
-      </p:sp>
-      <p:sp>
-        <p:nvSpPr>
-          <p:cNvPr id="5" name="슬라이드 번호 개체 틀 4"/>
-          <p:cNvSpPr>
-            <a:spLocks noGrp="1"/>
-          </p:cNvSpPr>
-          <p:nvPr>
-            <p:ph type="sldNum" sz="quarter" idx="12"/>
-          </p:nvPr>
-        </p:nvSpPr>
-        <p:spPr/>
-        <p:txBody>
-          <a:bodyPr/>
-          <a:lstStyle/>
-          <a:p>
-            <a:fld id="{963B0023-0CED-47F7-85AE-654F0B232C29}" type="slidenum">
-              <a:rPr lang="en-US" altLang="ko-KR" smtClean="0"/>
-              <a:pPr/>
-              <a:t>8</a:t>
-            </a:fld>
-            <a:endParaRPr kumimoji="0" lang="ko-KR" altLang="en-US"/>
-          </a:p>
-        </p:txBody>
-      </p:sp>
-      <p:sp>
-        <p:nvSpPr>
-          <p:cNvPr id="9" name="TextBox 8"/>
-          <p:cNvSpPr txBox="1"/>
-          <p:nvPr/>
-        </p:nvSpPr>
-        <p:spPr>
-          <a:xfrm>
-            <a:off x="8585385" y="6377836"/>
-            <a:ext cx="637728" cy="307777"/>
-          </a:xfrm>
-          <a:prstGeom prst="rect">
-            <a:avLst/>
-          </a:prstGeom>
-          <a:noFill/>
-        </p:spPr>
-        <p:txBody>
-          <a:bodyPr wrap="square" rtlCol="0">
-            <a:spAutoFit/>
-          </a:bodyPr>
-          <a:lstStyle/>
-          <a:p>
-            <a:r>
-              <a:rPr lang="en-US" altLang="ko-KR" sz="1400" dirty="0" smtClean="0">
-                <a:solidFill>
-                  <a:schemeClr val="bg1">
-                    <a:lumMod val="50000"/>
-                  </a:schemeClr>
-                </a:solidFill>
-              </a:rPr>
-              <a:t>/19</a:t>
-            </a:r>
-            <a:endParaRPr lang="ko-KR" altLang="en-US" sz="1400" dirty="0">
-              <a:solidFill>
-                <a:schemeClr val="bg1">
-                  <a:lumMod val="50000"/>
-                </a:schemeClr>
-              </a:solidFill>
-            </a:endParaRPr>
-          </a:p>
-        </p:txBody>
-      </p:sp>
-      <p:pic>
-        <p:nvPicPr>
-          <p:cNvPr id="3" name="그림 2"/>
-          <p:cNvPicPr>
-            <a:picLocks noChangeAspect="1"/>
-          </p:cNvPicPr>
-          <p:nvPr/>
-        </p:nvPicPr>
-        <p:blipFill>
-          <a:blip r:embed="rId3">
-            <a:extLst>
-              <a:ext uri="{28A0092B-C50C-407E-A947-70E740481C1C}">
-                <a14:useLocalDpi xmlns:a14="http://schemas.microsoft.com/office/drawing/2010/main" val="0"/>
-              </a:ext>
-            </a:extLst>
-          </a:blip>
-          <a:stretch>
-            <a:fillRect/>
-          </a:stretch>
-        </p:blipFill>
-        <p:spPr>
-          <a:xfrm>
-            <a:off x="1187624" y="1127511"/>
-            <a:ext cx="6931549" cy="5185633"/>
-          </a:xfrm>
-          <a:prstGeom prst="rect">
-            <a:avLst/>
-          </a:prstGeom>
-        </p:spPr>
-      </p:pic>
-    </p:spTree>
-    <p:extLst>
-      <p:ext uri="{BB962C8B-B14F-4D97-AF65-F5344CB8AC3E}">
-        <p14:creationId xmlns:p14="http://schemas.microsoft.com/office/powerpoint/2010/main" val="1931022423"/>
-      </p:ext>
-    </p:extLst>
-  </p:cSld>
-  <p:clrMapOvr>
-    <a:masterClrMapping/>
-  </p:clrMapOvr>
-  <p:transition/>
-  <p:timing>
-    <p:tnLst>
-      <p:par>
-        <p:cTn id="1" dur="indefinite" restart="never" nodeType="tmRoot"/>
-      </p:par>
-    </p:tnLst>
-  </p:timing>
-</p:sld>
-</file>
-
-<file path=ppt/slides/slide9.xml><?xml version="1.0" encoding="utf-8"?>
-<p:sld xmlns:a="http://schemas.openxmlformats.org/drawingml/2006/main" xmlns:r="http://schemas.openxmlformats.org/officeDocument/2006/relationships" xmlns:p="http://schemas.openxmlformats.org/presentationml/2006/main">
-  <p:cSld>
-    <p:spTree>
-      <p:nvGrpSpPr>
-        <p:cNvPr id="1" name=""/>
-        <p:cNvGrpSpPr/>
-        <p:nvPr/>
-      </p:nvGrpSpPr>
-      <p:grpSpPr>
-        <a:xfrm>
-          <a:off x="0" y="0"/>
-          <a:ext cx="0" cy="0"/>
-          <a:chOff x="0" y="0"/>
-          <a:chExt cx="0" cy="0"/>
-        </a:xfrm>
-      </p:grpSpPr>
-      <p:cxnSp>
-        <p:nvCxnSpPr>
-          <p:cNvPr id="15" name="직선 연결선 14"/>
-          <p:cNvCxnSpPr/>
-          <p:nvPr/>
-        </p:nvCxnSpPr>
-        <p:spPr>
-          <a:xfrm>
-            <a:off x="251520" y="332656"/>
-            <a:ext cx="8640960" cy="0"/>
-          </a:xfrm>
-          <a:prstGeom prst="line">
-            <a:avLst/>
-          </a:prstGeom>
-          <a:ln w="3175">
-            <a:solidFill>
-              <a:srgbClr val="68727E"/>
-            </a:solidFill>
-          </a:ln>
-        </p:spPr>
-        <p:style>
-          <a:lnRef idx="1">
-            <a:schemeClr val="accent1"/>
-          </a:lnRef>
-          <a:fillRef idx="0">
-            <a:schemeClr val="accent1"/>
-          </a:fillRef>
-          <a:effectRef idx="0">
-            <a:schemeClr val="accent1"/>
-          </a:effectRef>
-          <a:fontRef idx="minor">
-            <a:schemeClr val="tx1"/>
-          </a:fontRef>
-        </p:style>
-      </p:cxnSp>
-      <p:cxnSp>
-        <p:nvCxnSpPr>
-          <p:cNvPr id="19" name="직선 연결선 18"/>
-          <p:cNvCxnSpPr/>
-          <p:nvPr/>
-        </p:nvCxnSpPr>
-        <p:spPr>
-          <a:xfrm>
-            <a:off x="221703" y="1038567"/>
-            <a:ext cx="8640960" cy="0"/>
-          </a:xfrm>
-          <a:prstGeom prst="line">
-            <a:avLst/>
-          </a:prstGeom>
-          <a:ln w="3175">
-            <a:solidFill>
-              <a:srgbClr val="68727E"/>
-            </a:solidFill>
-          </a:ln>
-        </p:spPr>
-        <p:style>
-          <a:lnRef idx="1">
-            <a:schemeClr val="accent1"/>
-          </a:lnRef>
-          <a:fillRef idx="0">
-            <a:schemeClr val="accent1"/>
-          </a:fillRef>
-          <a:effectRef idx="0">
-            <a:schemeClr val="accent1"/>
-          </a:effectRef>
-          <a:fontRef idx="minor">
-            <a:schemeClr val="tx1"/>
-          </a:fontRef>
-        </p:style>
-      </p:cxnSp>
-      <p:sp>
-        <p:nvSpPr>
-          <p:cNvPr id="16" name="TextBox 15"/>
-          <p:cNvSpPr txBox="1"/>
-          <p:nvPr/>
-        </p:nvSpPr>
-        <p:spPr>
-          <a:xfrm>
-            <a:off x="7020475" y="755296"/>
-            <a:ext cx="1872208" cy="240066"/>
-          </a:xfrm>
-          <a:prstGeom prst="rect">
-            <a:avLst/>
-          </a:prstGeom>
-          <a:noFill/>
-        </p:spPr>
-        <p:txBody>
-          <a:bodyPr wrap="square" rtlCol="0">
-            <a:spAutoFit/>
-          </a:bodyPr>
-          <a:lstStyle/>
-          <a:p>
-            <a:pPr algn="r">
-              <a:lnSpc>
-                <a:spcPct val="80000"/>
-              </a:lnSpc>
-            </a:pPr>
-            <a:r>
-              <a:rPr lang="en-US" altLang="ko-KR" sz="1200" b="1" dirty="0">
-                <a:solidFill>
-                  <a:srgbClr val="FFC000"/>
-                </a:solidFill>
-                <a:effectLst>
-                  <a:outerShdw blurRad="38100" dist="38100" dir="2700000" algn="tl">
-                    <a:srgbClr val="000000">
-                      <a:alpha val="43137"/>
-                    </a:srgbClr>
-                  </a:outerShdw>
-                </a:effectLst>
-                <a:latin typeface="나눔고딕" pitchFamily="50" charset="-127"/>
-                <a:ea typeface="나눔고딕" pitchFamily="50" charset="-127"/>
-              </a:rPr>
-              <a:t>C</a:t>
-            </a:r>
-            <a:r>
-              <a:rPr lang="en-US" altLang="ko-KR" sz="1200" b="1" dirty="0">
-                <a:gradFill>
-                  <a:gsLst>
-                    <a:gs pos="0">
-                      <a:srgbClr val="68727E"/>
-                    </a:gs>
-                    <a:gs pos="50000">
-                      <a:srgbClr val="68727E"/>
-                    </a:gs>
-                  </a:gsLst>
-                  <a:lin ang="5400000" scaled="0"/>
-                </a:gradFill>
-                <a:latin typeface="나눔고딕" pitchFamily="50" charset="-127"/>
-                <a:ea typeface="나눔고딕" pitchFamily="50" charset="-127"/>
-              </a:rPr>
-              <a:t> team</a:t>
-            </a:r>
-            <a:endParaRPr lang="ko-KR" altLang="en-US" sz="1200" b="1" dirty="0">
-              <a:gradFill>
-                <a:gsLst>
-                  <a:gs pos="0">
-                    <a:srgbClr val="68727E"/>
-                  </a:gs>
-                  <a:gs pos="50000">
-                    <a:srgbClr val="68727E"/>
-                  </a:gs>
-                </a:gsLst>
-                <a:lin ang="5400000" scaled="0"/>
-              </a:gradFill>
-              <a:latin typeface="나눔고딕" pitchFamily="50" charset="-127"/>
-              <a:ea typeface="나눔고딕" pitchFamily="50" charset="-127"/>
-            </a:endParaRPr>
-          </a:p>
-        </p:txBody>
-      </p:sp>
-      <p:sp>
-        <p:nvSpPr>
-          <p:cNvPr id="21" name="TextBox 20"/>
-          <p:cNvSpPr txBox="1"/>
-          <p:nvPr/>
-        </p:nvSpPr>
-        <p:spPr>
-          <a:xfrm>
-            <a:off x="179512" y="461805"/>
             <a:ext cx="7488832" cy="369332"/>
           </a:xfrm>
           <a:prstGeom prst="rect">
@@ -12034,7 +10864,7 @@
             <a:fld id="{963B0023-0CED-47F7-85AE-654F0B232C29}" type="slidenum">
               <a:rPr lang="en-US" altLang="ko-KR" smtClean="0"/>
               <a:pPr/>
-              <a:t>9</a:t>
+              <a:t>8</a:t>
             </a:fld>
             <a:endParaRPr kumimoji="0" lang="ko-KR" altLang="en-US"/>
           </a:p>
@@ -12161,6 +10991,541 @@
     <p:extLst>
       <p:ext uri="{BB962C8B-B14F-4D97-AF65-F5344CB8AC3E}">
         <p14:creationId xmlns:p14="http://schemas.microsoft.com/office/powerpoint/2010/main" val="1926496744"/>
+      </p:ext>
+    </p:extLst>
+  </p:cSld>
+  <p:clrMapOvr>
+    <a:masterClrMapping/>
+  </p:clrMapOvr>
+  <p:transition/>
+  <p:timing>
+    <p:tnLst>
+      <p:par>
+        <p:cTn id="1" dur="indefinite" restart="never" nodeType="tmRoot"/>
+      </p:par>
+    </p:tnLst>
+  </p:timing>
+</p:sld>
+</file>
+
+<file path=ppt/slides/slide9.xml><?xml version="1.0" encoding="utf-8"?>
+<p:sld xmlns:a="http://schemas.openxmlformats.org/drawingml/2006/main" xmlns:r="http://schemas.openxmlformats.org/officeDocument/2006/relationships" xmlns:p="http://schemas.openxmlformats.org/presentationml/2006/main">
+  <p:cSld>
+    <p:spTree>
+      <p:nvGrpSpPr>
+        <p:cNvPr id="1" name=""/>
+        <p:cNvGrpSpPr/>
+        <p:nvPr/>
+      </p:nvGrpSpPr>
+      <p:grpSpPr>
+        <a:xfrm>
+          <a:off x="0" y="0"/>
+          <a:ext cx="0" cy="0"/>
+          <a:chOff x="0" y="0"/>
+          <a:chExt cx="0" cy="0"/>
+        </a:xfrm>
+      </p:grpSpPr>
+      <p:sp>
+        <p:nvSpPr>
+          <p:cNvPr id="20" name="TextBox 19"/>
+          <p:cNvSpPr txBox="1"/>
+          <p:nvPr/>
+        </p:nvSpPr>
+        <p:spPr>
+          <a:xfrm>
+            <a:off x="251520" y="3566875"/>
+            <a:ext cx="5304078" cy="720197"/>
+          </a:xfrm>
+          <a:prstGeom prst="rect">
+            <a:avLst/>
+          </a:prstGeom>
+          <a:noFill/>
+        </p:spPr>
+        <p:txBody>
+          <a:bodyPr wrap="square" rtlCol="0">
+            <a:spAutoFit/>
+          </a:bodyPr>
+          <a:lstStyle/>
+          <a:p>
+            <a:pPr>
+              <a:lnSpc>
+                <a:spcPct val="85000"/>
+              </a:lnSpc>
+            </a:pPr>
+            <a:r>
+              <a:rPr lang="en-US" altLang="ko-KR" sz="4800" spc="600" dirty="0" smtClean="0">
+                <a:solidFill>
+                  <a:srgbClr val="FF0000"/>
+                </a:solidFill>
+                <a:effectLst>
+                  <a:outerShdw blurRad="38100" dist="38100" dir="2700000" algn="tl">
+                    <a:srgbClr val="000000">
+                      <a:alpha val="43137"/>
+                    </a:srgbClr>
+                  </a:outerShdw>
+                </a:effectLst>
+                <a:latin typeface="나눔고딕" pitchFamily="50" charset="-127"/>
+                <a:ea typeface="나눔고딕" pitchFamily="50" charset="-127"/>
+              </a:rPr>
+              <a:t>S</a:t>
+            </a:r>
+            <a:r>
+              <a:rPr lang="en-US" altLang="ko-KR" sz="4800" spc="600" dirty="0" smtClean="0">
+                <a:solidFill>
+                  <a:srgbClr val="7E858E"/>
+                </a:solidFill>
+                <a:effectLst>
+                  <a:outerShdw blurRad="38100" dist="38100" dir="2700000" algn="tl">
+                    <a:srgbClr val="000000">
+                      <a:alpha val="43137"/>
+                    </a:srgbClr>
+                  </a:outerShdw>
+                </a:effectLst>
+                <a:latin typeface="나눔고딕" pitchFamily="50" charset="-127"/>
+                <a:ea typeface="나눔고딕" pitchFamily="50" charset="-127"/>
+              </a:rPr>
+              <a:t>ensor</a:t>
+            </a:r>
+            <a:r>
+              <a:rPr lang="en-US" altLang="ko-KR" sz="4800" spc="600" dirty="0" smtClean="0">
+                <a:gradFill>
+                  <a:gsLst>
+                    <a:gs pos="0">
+                      <a:srgbClr val="7E858E"/>
+                    </a:gs>
+                    <a:gs pos="50000">
+                      <a:srgbClr val="7E858E"/>
+                    </a:gs>
+                  </a:gsLst>
+                  <a:lin ang="5400000" scaled="0"/>
+                </a:gradFill>
+                <a:effectLst>
+                  <a:outerShdw blurRad="38100" dist="38100" dir="2700000" algn="tl">
+                    <a:srgbClr val="000000">
+                      <a:alpha val="43137"/>
+                    </a:srgbClr>
+                  </a:outerShdw>
+                </a:effectLst>
+                <a:latin typeface="나눔고딕" pitchFamily="50" charset="-127"/>
+                <a:ea typeface="나눔고딕" pitchFamily="50" charset="-127"/>
+              </a:rPr>
+              <a:t> </a:t>
+            </a:r>
+            <a:r>
+              <a:rPr lang="en-US" altLang="ko-KR" sz="4800" spc="600" dirty="0" smtClean="0">
+                <a:solidFill>
+                  <a:srgbClr val="FF0000"/>
+                </a:solidFill>
+                <a:effectLst>
+                  <a:outerShdw blurRad="38100" dist="38100" dir="2700000" algn="tl">
+                    <a:srgbClr val="000000">
+                      <a:alpha val="43137"/>
+                    </a:srgbClr>
+                  </a:outerShdw>
+                </a:effectLst>
+                <a:latin typeface="나눔고딕" pitchFamily="50" charset="-127"/>
+                <a:ea typeface="나눔고딕" pitchFamily="50" charset="-127"/>
+              </a:rPr>
+              <a:t>C</a:t>
+            </a:r>
+            <a:r>
+              <a:rPr lang="en-US" altLang="ko-KR" sz="4800" spc="600" dirty="0" smtClean="0">
+                <a:solidFill>
+                  <a:srgbClr val="7E858E"/>
+                </a:solidFill>
+                <a:effectLst>
+                  <a:outerShdw blurRad="38100" dist="38100" dir="2700000" algn="tl">
+                    <a:srgbClr val="000000">
+                      <a:alpha val="43137"/>
+                    </a:srgbClr>
+                  </a:outerShdw>
+                </a:effectLst>
+                <a:latin typeface="나눔고딕" pitchFamily="50" charset="-127"/>
+                <a:ea typeface="나눔고딕" pitchFamily="50" charset="-127"/>
+              </a:rPr>
+              <a:t>ode</a:t>
+            </a:r>
+            <a:endParaRPr lang="en-US" altLang="ko-KR" sz="4800" spc="600" dirty="0">
+              <a:solidFill>
+                <a:srgbClr val="FF0000"/>
+              </a:solidFill>
+              <a:effectLst>
+                <a:outerShdw blurRad="38100" dist="38100" dir="2700000" algn="tl">
+                  <a:srgbClr val="000000">
+                    <a:alpha val="43137"/>
+                  </a:srgbClr>
+                </a:outerShdw>
+              </a:effectLst>
+              <a:latin typeface="나눔고딕" pitchFamily="50" charset="-127"/>
+              <a:ea typeface="나눔고딕" pitchFamily="50" charset="-127"/>
+            </a:endParaRPr>
+          </a:p>
+        </p:txBody>
+      </p:sp>
+      <p:sp>
+        <p:nvSpPr>
+          <p:cNvPr id="21" name="TextBox 20"/>
+          <p:cNvSpPr txBox="1"/>
+          <p:nvPr/>
+        </p:nvSpPr>
+        <p:spPr>
+          <a:xfrm>
+            <a:off x="7092280" y="3501008"/>
+            <a:ext cx="1872208" cy="240066"/>
+          </a:xfrm>
+          <a:prstGeom prst="rect">
+            <a:avLst/>
+          </a:prstGeom>
+          <a:noFill/>
+        </p:spPr>
+        <p:txBody>
+          <a:bodyPr wrap="square" rtlCol="0">
+            <a:spAutoFit/>
+          </a:bodyPr>
+          <a:lstStyle/>
+          <a:p>
+            <a:pPr algn="r">
+              <a:lnSpc>
+                <a:spcPct val="80000"/>
+              </a:lnSpc>
+            </a:pPr>
+            <a:r>
+              <a:rPr lang="en-US" altLang="ko-KR" sz="1200" b="1" dirty="0">
+                <a:solidFill>
+                  <a:srgbClr val="FFC000"/>
+                </a:solidFill>
+                <a:effectLst>
+                  <a:outerShdw blurRad="38100" dist="38100" dir="2700000" algn="tl">
+                    <a:srgbClr val="000000">
+                      <a:alpha val="43137"/>
+                    </a:srgbClr>
+                  </a:outerShdw>
+                </a:effectLst>
+                <a:latin typeface="나눔고딕" pitchFamily="50" charset="-127"/>
+                <a:ea typeface="나눔고딕" pitchFamily="50" charset="-127"/>
+              </a:rPr>
+              <a:t>C</a:t>
+            </a:r>
+            <a:r>
+              <a:rPr lang="en-US" altLang="ko-KR" sz="1200" b="1" dirty="0">
+                <a:gradFill>
+                  <a:gsLst>
+                    <a:gs pos="0">
+                      <a:srgbClr val="68727E"/>
+                    </a:gs>
+                    <a:gs pos="50000">
+                      <a:srgbClr val="68727E"/>
+                    </a:gs>
+                  </a:gsLst>
+                  <a:lin ang="5400000" scaled="0"/>
+                </a:gradFill>
+                <a:latin typeface="나눔고딕" pitchFamily="50" charset="-127"/>
+                <a:ea typeface="나눔고딕" pitchFamily="50" charset="-127"/>
+              </a:rPr>
+              <a:t> team</a:t>
+            </a:r>
+            <a:endParaRPr lang="ko-KR" altLang="en-US" sz="1200" b="1" dirty="0">
+              <a:gradFill>
+                <a:gsLst>
+                  <a:gs pos="0">
+                    <a:srgbClr val="68727E"/>
+                  </a:gs>
+                  <a:gs pos="50000">
+                    <a:srgbClr val="68727E"/>
+                  </a:gs>
+                </a:gsLst>
+                <a:lin ang="5400000" scaled="0"/>
+              </a:gradFill>
+              <a:latin typeface="나눔고딕" pitchFamily="50" charset="-127"/>
+              <a:ea typeface="나눔고딕" pitchFamily="50" charset="-127"/>
+            </a:endParaRPr>
+          </a:p>
+        </p:txBody>
+      </p:sp>
+      <p:cxnSp>
+        <p:nvCxnSpPr>
+          <p:cNvPr id="10" name="직선 연결선 9"/>
+          <p:cNvCxnSpPr/>
+          <p:nvPr/>
+        </p:nvCxnSpPr>
+        <p:spPr>
+          <a:xfrm>
+            <a:off x="251520" y="3429000"/>
+            <a:ext cx="8640960" cy="0"/>
+          </a:xfrm>
+          <a:prstGeom prst="line">
+            <a:avLst/>
+          </a:prstGeom>
+          <a:ln w="3175">
+            <a:solidFill>
+              <a:srgbClr val="68727E"/>
+            </a:solidFill>
+          </a:ln>
+        </p:spPr>
+        <p:style>
+          <a:lnRef idx="1">
+            <a:schemeClr val="accent1"/>
+          </a:lnRef>
+          <a:fillRef idx="0">
+            <a:schemeClr val="accent1"/>
+          </a:fillRef>
+          <a:effectRef idx="0">
+            <a:schemeClr val="accent1"/>
+          </a:effectRef>
+          <a:fontRef idx="minor">
+            <a:schemeClr val="tx1"/>
+          </a:fontRef>
+        </p:style>
+      </p:cxnSp>
+      <p:cxnSp>
+        <p:nvCxnSpPr>
+          <p:cNvPr id="12" name="직선 연결선 11"/>
+          <p:cNvCxnSpPr/>
+          <p:nvPr/>
+        </p:nvCxnSpPr>
+        <p:spPr>
+          <a:xfrm>
+            <a:off x="251520" y="332656"/>
+            <a:ext cx="8640960" cy="0"/>
+          </a:xfrm>
+          <a:prstGeom prst="line">
+            <a:avLst/>
+          </a:prstGeom>
+          <a:ln w="3175">
+            <a:solidFill>
+              <a:srgbClr val="68727E"/>
+            </a:solidFill>
+          </a:ln>
+        </p:spPr>
+        <p:style>
+          <a:lnRef idx="1">
+            <a:schemeClr val="accent1"/>
+          </a:lnRef>
+          <a:fillRef idx="0">
+            <a:schemeClr val="accent1"/>
+          </a:fillRef>
+          <a:effectRef idx="0">
+            <a:schemeClr val="accent1"/>
+          </a:effectRef>
+          <a:fontRef idx="minor">
+            <a:schemeClr val="tx1"/>
+          </a:fontRef>
+        </p:style>
+      </p:cxnSp>
+      <p:cxnSp>
+        <p:nvCxnSpPr>
+          <p:cNvPr id="13" name="직선 연결선 12"/>
+          <p:cNvCxnSpPr/>
+          <p:nvPr/>
+        </p:nvCxnSpPr>
+        <p:spPr>
+          <a:xfrm>
+            <a:off x="251520" y="6534000"/>
+            <a:ext cx="8640960" cy="0"/>
+          </a:xfrm>
+          <a:prstGeom prst="line">
+            <a:avLst/>
+          </a:prstGeom>
+          <a:ln w="3175">
+            <a:solidFill>
+              <a:srgbClr val="68727E"/>
+            </a:solidFill>
+          </a:ln>
+        </p:spPr>
+        <p:style>
+          <a:lnRef idx="1">
+            <a:schemeClr val="accent1"/>
+          </a:lnRef>
+          <a:fillRef idx="0">
+            <a:schemeClr val="accent1"/>
+          </a:fillRef>
+          <a:effectRef idx="0">
+            <a:schemeClr val="accent1"/>
+          </a:effectRef>
+          <a:fontRef idx="minor">
+            <a:schemeClr val="tx1"/>
+          </a:fontRef>
+        </p:style>
+      </p:cxnSp>
+      <p:sp>
+        <p:nvSpPr>
+          <p:cNvPr id="9" name="TextBox 8"/>
+          <p:cNvSpPr txBox="1"/>
+          <p:nvPr/>
+        </p:nvSpPr>
+        <p:spPr>
+          <a:xfrm>
+            <a:off x="172156" y="6133150"/>
+            <a:ext cx="4039705" cy="418576"/>
+          </a:xfrm>
+          <a:prstGeom prst="rect">
+            <a:avLst/>
+          </a:prstGeom>
+          <a:noFill/>
+        </p:spPr>
+        <p:txBody>
+          <a:bodyPr wrap="square" rtlCol="0">
+            <a:spAutoFit/>
+          </a:bodyPr>
+          <a:lstStyle/>
+          <a:p>
+            <a:pPr>
+              <a:lnSpc>
+                <a:spcPct val="150000"/>
+              </a:lnSpc>
+            </a:pPr>
+            <a:r>
+              <a:rPr lang="en-US" altLang="ko-KR" sz="1600" dirty="0">
+                <a:solidFill>
+                  <a:srgbClr val="FFC000"/>
+                </a:solidFill>
+                <a:effectLst>
+                  <a:outerShdw blurRad="38100" dist="38100" dir="2700000" algn="tl">
+                    <a:srgbClr val="000000">
+                      <a:alpha val="43137"/>
+                    </a:srgbClr>
+                  </a:outerShdw>
+                </a:effectLst>
+                <a:latin typeface="나눔고딕" pitchFamily="50" charset="-127"/>
+                <a:ea typeface="나눔고딕" pitchFamily="50" charset="-127"/>
+              </a:rPr>
+              <a:t>Q</a:t>
+            </a:r>
+            <a:r>
+              <a:rPr lang="en-US" altLang="ko-KR" sz="1600" dirty="0">
+                <a:solidFill>
+                  <a:schemeClr val="tx1">
+                    <a:lumMod val="85000"/>
+                    <a:lumOff val="15000"/>
+                  </a:schemeClr>
+                </a:solidFill>
+                <a:effectLst>
+                  <a:outerShdw blurRad="38100" dist="38100" dir="2700000" algn="tl">
+                    <a:srgbClr val="000000">
+                      <a:alpha val="43137"/>
+                    </a:srgbClr>
+                  </a:outerShdw>
+                </a:effectLst>
+                <a:latin typeface="나눔고딕" pitchFamily="50" charset="-127"/>
+                <a:ea typeface="나눔고딕" pitchFamily="50" charset="-127"/>
+              </a:rPr>
+              <a:t>ualcomm </a:t>
+            </a:r>
+            <a:r>
+              <a:rPr lang="en-US" altLang="ko-KR" sz="1600" dirty="0">
+                <a:solidFill>
+                  <a:srgbClr val="FFC000"/>
+                </a:solidFill>
+                <a:effectLst>
+                  <a:outerShdw blurRad="38100" dist="38100" dir="2700000" algn="tl">
+                    <a:srgbClr val="000000">
+                      <a:alpha val="43137"/>
+                    </a:srgbClr>
+                  </a:outerShdw>
+                </a:effectLst>
+                <a:latin typeface="나눔고딕" pitchFamily="50" charset="-127"/>
+                <a:ea typeface="나눔고딕" pitchFamily="50" charset="-127"/>
+              </a:rPr>
+              <a:t>I</a:t>
+            </a:r>
+            <a:r>
+              <a:rPr lang="en-US" altLang="ko-KR" sz="1600" dirty="0">
+                <a:solidFill>
+                  <a:schemeClr val="tx1">
+                    <a:lumMod val="85000"/>
+                    <a:lumOff val="15000"/>
+                  </a:schemeClr>
+                </a:solidFill>
+                <a:effectLst>
+                  <a:outerShdw blurRad="38100" dist="38100" dir="2700000" algn="tl">
+                    <a:srgbClr val="000000">
+                      <a:alpha val="43137"/>
+                    </a:srgbClr>
+                  </a:outerShdw>
+                </a:effectLst>
+                <a:latin typeface="나눔고딕" pitchFamily="50" charset="-127"/>
+                <a:ea typeface="나눔고딕" pitchFamily="50" charset="-127"/>
+              </a:rPr>
+              <a:t>nstitute</a:t>
+            </a:r>
+          </a:p>
+        </p:txBody>
+      </p:sp>
+      <p:sp>
+        <p:nvSpPr>
+          <p:cNvPr id="2" name="슬라이드 번호 개체 틀 1"/>
+          <p:cNvSpPr>
+            <a:spLocks noGrp="1"/>
+          </p:cNvSpPr>
+          <p:nvPr>
+            <p:ph type="sldNum" sz="quarter" idx="12"/>
+          </p:nvPr>
+        </p:nvSpPr>
+        <p:spPr>
+          <a:xfrm>
+            <a:off x="6588224" y="6482418"/>
+            <a:ext cx="2133600" cy="365125"/>
+          </a:xfrm>
+        </p:spPr>
+        <p:txBody>
+          <a:bodyPr/>
+          <a:lstStyle/>
+          <a:p>
+            <a:fld id="{963B0023-0CED-47F7-85AE-654F0B232C29}" type="slidenum">
+              <a:rPr lang="en-US" altLang="ko-KR" smtClean="0"/>
+              <a:pPr/>
+              <a:t>9</a:t>
+            </a:fld>
+            <a:endParaRPr kumimoji="0" lang="ko-KR" altLang="en-US" dirty="0"/>
+          </a:p>
+        </p:txBody>
+      </p:sp>
+      <p:sp>
+        <p:nvSpPr>
+          <p:cNvPr id="11" name="TextBox 10"/>
+          <p:cNvSpPr txBox="1"/>
+          <p:nvPr/>
+        </p:nvSpPr>
+        <p:spPr>
+          <a:xfrm>
+            <a:off x="8661616" y="6494448"/>
+            <a:ext cx="579753" cy="307777"/>
+          </a:xfrm>
+          <a:prstGeom prst="rect">
+            <a:avLst/>
+          </a:prstGeom>
+          <a:noFill/>
+        </p:spPr>
+        <p:txBody>
+          <a:bodyPr wrap="square" rtlCol="0">
+            <a:spAutoFit/>
+          </a:bodyPr>
+          <a:lstStyle/>
+          <a:p>
+            <a:r>
+              <a:rPr lang="en-US" altLang="ko-KR" sz="1400" dirty="0" smtClean="0">
+                <a:solidFill>
+                  <a:schemeClr val="bg1">
+                    <a:lumMod val="50000"/>
+                  </a:schemeClr>
+                </a:solidFill>
+              </a:rPr>
+              <a:t>/19</a:t>
+            </a:r>
+            <a:endParaRPr lang="ko-KR" altLang="en-US" sz="1400" dirty="0">
+              <a:solidFill>
+                <a:schemeClr val="bg1">
+                  <a:lumMod val="50000"/>
+                </a:schemeClr>
+              </a:solidFill>
+            </a:endParaRPr>
+          </a:p>
+        </p:txBody>
+      </p:sp>
+    </p:spTree>
+    <p:extLst>
+      <p:ext uri="{BB962C8B-B14F-4D97-AF65-F5344CB8AC3E}">
+        <p14:creationId xmlns:p14="http://schemas.microsoft.com/office/powerpoint/2010/main" val="3488655513"/>
       </p:ext>
     </p:extLst>
   </p:cSld>
